--- a/assets/introducing-intent.pptx
+++ b/assets/introducing-intent.pptx
@@ -32,16 +32,18 @@
     <p:sldId id="289" r:id="rId26"/>
     <p:sldId id="290" r:id="rId27"/>
     <p:sldId id="274" r:id="rId28"/>
-    <p:sldId id="291" r:id="rId29"/>
-    <p:sldId id="292" r:id="rId30"/>
-    <p:sldId id="295" r:id="rId31"/>
-    <p:sldId id="293" r:id="rId32"/>
-    <p:sldId id="294" r:id="rId33"/>
-    <p:sldId id="275" r:id="rId34"/>
-    <p:sldId id="283" r:id="rId35"/>
-    <p:sldId id="276" r:id="rId36"/>
-    <p:sldId id="277" r:id="rId37"/>
-    <p:sldId id="278" r:id="rId38"/>
+    <p:sldId id="296" r:id="rId29"/>
+    <p:sldId id="297" r:id="rId30"/>
+    <p:sldId id="291" r:id="rId31"/>
+    <p:sldId id="292" r:id="rId32"/>
+    <p:sldId id="295" r:id="rId33"/>
+    <p:sldId id="293" r:id="rId34"/>
+    <p:sldId id="294" r:id="rId35"/>
+    <p:sldId id="275" r:id="rId36"/>
+    <p:sldId id="283" r:id="rId37"/>
+    <p:sldId id="276" r:id="rId38"/>
+    <p:sldId id="277" r:id="rId39"/>
+    <p:sldId id="278" r:id="rId40"/>
   </p:sldIdLst>
   <p:sldSz cx="9144000" cy="6858000" type="screen4x3"/>
   <p:notesSz cx="6858000" cy="9144000"/>
@@ -378,7 +380,7 @@
           <a:p>
             <a:fld id="{6BFECD78-3C8E-49F2-8FAB-59489D168ABB}" type="datetimeFigureOut">
               <a:rPr lang="en-US" smtClean="0"/>
-              <a:t>2/8/14</a:t>
+              <a:t>2/9/14</a:t>
             </a:fld>
             <a:endParaRPr lang="en-US"/>
           </a:p>
@@ -633,7 +635,7 @@
           <a:p>
             <a:fld id="{6BFECD78-3C8E-49F2-8FAB-59489D168ABB}" type="datetimeFigureOut">
               <a:rPr lang="en-US" smtClean="0"/>
-              <a:t>2/8/14</a:t>
+              <a:t>2/9/14</a:t>
             </a:fld>
             <a:endParaRPr lang="en-US"/>
           </a:p>
@@ -844,7 +846,7 @@
           <a:p>
             <a:fld id="{6BFECD78-3C8E-49F2-8FAB-59489D168ABB}" type="datetimeFigureOut">
               <a:rPr lang="en-US" smtClean="0"/>
-              <a:t>2/8/14</a:t>
+              <a:t>2/9/14</a:t>
             </a:fld>
             <a:endParaRPr lang="en-US"/>
           </a:p>
@@ -1471,7 +1473,7 @@
           <a:p>
             <a:fld id="{6BFECD78-3C8E-49F2-8FAB-59489D168ABB}" type="datetimeFigureOut">
               <a:rPr lang="en-US" smtClean="0"/>
-              <a:t>2/8/14</a:t>
+              <a:t>2/9/14</a:t>
             </a:fld>
             <a:endParaRPr lang="en-US"/>
           </a:p>
@@ -1772,7 +1774,7 @@
           <a:p>
             <a:fld id="{6BFECD78-3C8E-49F2-8FAB-59489D168ABB}" type="datetimeFigureOut">
               <a:rPr lang="en-US" smtClean="0"/>
-              <a:t>2/8/14</a:t>
+              <a:t>2/9/14</a:t>
             </a:fld>
             <a:endParaRPr lang="en-US"/>
           </a:p>
@@ -2175,7 +2177,7 @@
           <a:p>
             <a:fld id="{6BFECD78-3C8E-49F2-8FAB-59489D168ABB}" type="datetimeFigureOut">
               <a:rPr lang="en-US" smtClean="0"/>
-              <a:t>2/8/14</a:t>
+              <a:t>2/9/14</a:t>
             </a:fld>
             <a:endParaRPr lang="en-US"/>
           </a:p>
@@ -2683,7 +2685,7 @@
           <a:p>
             <a:fld id="{6BFECD78-3C8E-49F2-8FAB-59489D168ABB}" type="datetimeFigureOut">
               <a:rPr lang="en-US" smtClean="0"/>
-              <a:t>2/8/14</a:t>
+              <a:t>2/9/14</a:t>
             </a:fld>
             <a:endParaRPr lang="en-US"/>
           </a:p>
@@ -2856,7 +2858,7 @@
           <a:p>
             <a:fld id="{6BFECD78-3C8E-49F2-8FAB-59489D168ABB}" type="datetimeFigureOut">
               <a:rPr lang="en-US" smtClean="0"/>
-              <a:t>2/8/14</a:t>
+              <a:t>2/9/14</a:t>
             </a:fld>
             <a:endParaRPr lang="en-US"/>
           </a:p>
@@ -3036,7 +3038,7 @@
           <a:p>
             <a:fld id="{6BFECD78-3C8E-49F2-8FAB-59489D168ABB}" type="datetimeFigureOut">
               <a:rPr lang="en-US" smtClean="0"/>
-              <a:t>2/8/14</a:t>
+              <a:t>2/9/14</a:t>
             </a:fld>
             <a:endParaRPr lang="en-US"/>
           </a:p>
@@ -3344,7 +3346,7 @@
           <a:p>
             <a:fld id="{6BFECD78-3C8E-49F2-8FAB-59489D168ABB}" type="datetimeFigureOut">
               <a:rPr lang="en-US" smtClean="0"/>
-              <a:t>2/8/14</a:t>
+              <a:t>2/9/14</a:t>
             </a:fld>
             <a:endParaRPr lang="en-US"/>
           </a:p>
@@ -3598,7 +3600,7 @@
           <a:p>
             <a:fld id="{6BFECD78-3C8E-49F2-8FAB-59489D168ABB}" type="datetimeFigureOut">
               <a:rPr lang="en-US" smtClean="0"/>
-              <a:t>2/8/14</a:t>
+              <a:t>2/9/14</a:t>
             </a:fld>
             <a:endParaRPr lang="en-US"/>
           </a:p>
@@ -3896,7 +3898,7 @@
           <a:p>
             <a:fld id="{7BA99288-2384-C64C-992A-406B1D78017E}" type="datetimeFigureOut">
               <a:rPr lang="en-US" smtClean="0"/>
-              <a:t>2/8/14</a:t>
+              <a:t>2/9/14</a:t>
             </a:fld>
             <a:endParaRPr lang="en-US"/>
           </a:p>
@@ -4435,11 +4437,6 @@
               </a:rPr>
               <a:t>Bash, PHP</a:t>
             </a:r>
-            <a:endParaRPr lang="en-US" sz="2400" i="1" dirty="0" smtClean="0">
-              <a:solidFill>
-                <a:srgbClr val="376092"/>
-              </a:solidFill>
-            </a:endParaRPr>
           </a:p>
           <a:p>
             <a:pPr marL="0" indent="0">
@@ -4447,11 +4444,7 @@
             </a:pPr>
             <a:r>
               <a:rPr lang="en-US" sz="2400" dirty="0" smtClean="0"/>
-              <a:t>Need simple, clean, complete for </a:t>
-            </a:r>
-            <a:r>
-              <a:rPr lang="en-US" sz="2400" dirty="0" smtClean="0"/>
-              <a:t>small domain?   </a:t>
+              <a:t>Need simple, clean, complete for small domain?   </a:t>
             </a:r>
             <a:r>
               <a:rPr lang="en-US" sz="2400" i="1" dirty="0" smtClean="0">
@@ -4738,17 +4731,8 @@
           <a:p>
             <a:r>
               <a:rPr lang="en-US" sz="2400" b="0" dirty="0" smtClean="0"/>
-              <a:t>People as </a:t>
-            </a:r>
-            <a:r>
-              <a:rPr lang="en-US" sz="2400" b="0" dirty="0" smtClean="0"/>
-              <a:t>a </a:t>
-            </a:r>
-            <a:r>
-              <a:rPr lang="en-US" sz="2400" b="0" dirty="0" smtClean="0"/>
-              <a:t>language target</a:t>
-            </a:r>
-            <a:endParaRPr lang="en-US" sz="2400" b="0" dirty="0" smtClean="0"/>
+              <a:t>People as a language target</a:t>
+            </a:r>
           </a:p>
           <a:p>
             <a:r>
@@ -4790,11 +4774,7 @@
           <a:p>
             <a:r>
               <a:rPr lang="en-US" sz="2400" b="0" dirty="0" smtClean="0"/>
-              <a:t>Lifecycle, threads, and </a:t>
-            </a:r>
-            <a:r>
-              <a:rPr lang="en-US" sz="2400" b="0" dirty="0" smtClean="0"/>
-              <a:t>parallelism</a:t>
+              <a:t>Lifecycle, threads, and parallelism</a:t>
             </a:r>
           </a:p>
           <a:p>
@@ -4879,15 +4859,7 @@
           <a:p>
             <a:r>
               <a:rPr lang="en-US" dirty="0" smtClean="0"/>
-              <a:t>People as </a:t>
-            </a:r>
-            <a:r>
-              <a:rPr lang="en-US" dirty="0" smtClean="0"/>
-              <a:t>a </a:t>
-            </a:r>
-            <a:r>
-              <a:rPr lang="en-US" dirty="0" smtClean="0"/>
-              <a:t>language target</a:t>
+              <a:t>People as a language target</a:t>
             </a:r>
             <a:endParaRPr lang="en-US" dirty="0"/>
           </a:p>
@@ -4918,11 +4890,7 @@
           <a:p>
             <a:r>
               <a:rPr lang="en-US" sz="2400" b="0" dirty="0" smtClean="0"/>
-              <a:t>Human concerns should be </a:t>
-            </a:r>
-            <a:r>
-              <a:rPr lang="en-US" sz="2400" b="0" dirty="0" smtClean="0"/>
-              <a:t>easy to </a:t>
+              <a:t>Human concerns should be easy to </a:t>
             </a:r>
             <a:r>
               <a:rPr lang="en-US" sz="2400" dirty="0" smtClean="0"/>
@@ -4932,7 +4900,6 @@
               <a:rPr lang="en-US" sz="2400" b="0" dirty="0" smtClean="0"/>
               <a:t>.</a:t>
             </a:r>
-            <a:endParaRPr lang="en-US" sz="2400" b="0" dirty="0" smtClean="0"/>
           </a:p>
           <a:p>
             <a:r>
@@ -4950,62 +4917,31 @@
           <a:p>
             <a:r>
               <a:rPr lang="en-US" sz="2400" b="0" dirty="0" smtClean="0"/>
-              <a:t>Learnability </a:t>
-            </a:r>
+              <a:t>Learnability is crucial.</a:t>
+            </a:r>
+          </a:p>
+          <a:p>
             <a:r>
               <a:rPr lang="en-US" sz="2400" b="0" dirty="0" smtClean="0"/>
-              <a:t>is crucial.</a:t>
+              <a:t>Friendly, obvious names must be ubiquitous.</a:t>
             </a:r>
           </a:p>
           <a:p>
             <a:r>
               <a:rPr lang="en-US" sz="2400" b="0" dirty="0" smtClean="0"/>
-              <a:t>Friendly, </a:t>
-            </a:r>
+              <a:t>Use cases and role-based interactions must be baked in.</a:t>
+            </a:r>
+          </a:p>
+          <a:p>
             <a:r>
               <a:rPr lang="en-US" sz="2400" b="0" dirty="0" smtClean="0"/>
-              <a:t>obvious names must be ubiquitous.</a:t>
-            </a:r>
-            <a:endParaRPr lang="en-US" sz="2400" b="0" dirty="0" smtClean="0"/>
+              <a:t>Semantics should be explicit and apparent, not optional.</a:t>
+            </a:r>
           </a:p>
           <a:p>
             <a:r>
               <a:rPr lang="en-US" sz="2400" b="0" dirty="0" smtClean="0"/>
-              <a:t>Use cases and </a:t>
-            </a:r>
-            <a:r>
-              <a:rPr lang="en-US" sz="2400" b="0" dirty="0" smtClean="0"/>
-              <a:t>role-based interactions must be baked in.</a:t>
-            </a:r>
-            <a:endParaRPr lang="en-US" sz="2400" b="0" dirty="0" smtClean="0"/>
-          </a:p>
-          <a:p>
-            <a:r>
-              <a:rPr lang="en-US" sz="2400" b="0" dirty="0" smtClean="0"/>
-              <a:t>Semantics </a:t>
-            </a:r>
-            <a:r>
-              <a:rPr lang="en-US" sz="2400" b="0" dirty="0" smtClean="0"/>
-              <a:t>should </a:t>
-            </a:r>
-            <a:r>
-              <a:rPr lang="en-US" sz="2400" b="0" dirty="0" smtClean="0"/>
-              <a:t>be </a:t>
-            </a:r>
-            <a:r>
-              <a:rPr lang="en-US" sz="2400" b="0" dirty="0" smtClean="0"/>
-              <a:t>explicit and apparent, not optional.</a:t>
-            </a:r>
-            <a:endParaRPr lang="en-US" sz="2400" b="0" dirty="0" smtClean="0"/>
-          </a:p>
-          <a:p>
-            <a:r>
-              <a:rPr lang="en-US" sz="2400" b="0" dirty="0" smtClean="0"/>
-              <a:t>Mindless busywork is the enemy of creative </a:t>
-            </a:r>
-            <a:r>
-              <a:rPr lang="en-US" sz="2400" b="0" dirty="0" smtClean="0"/>
-              <a:t>power and fun.</a:t>
+              <a:t>Mindless busywork is the enemy of creative power and fun.</a:t>
             </a:r>
           </a:p>
         </p:txBody>
@@ -5584,11 +5520,7 @@
             </a:r>
             <a:r>
               <a:rPr lang="en-US" sz="1800" dirty="0" smtClean="0"/>
-              <a:t> </a:t>
-            </a:r>
-            <a:r>
-              <a:rPr lang="en-US" sz="1800" dirty="0" smtClean="0"/>
-              <a:t>returns </a:t>
+              <a:t> returns </a:t>
             </a:r>
             <a:r>
               <a:rPr lang="en-US" sz="1600" dirty="0">
@@ -6145,61 +6077,47 @@
                 <a:latin typeface="Courier"/>
                 <a:cs typeface="Courier"/>
               </a:rPr>
-              <a:t>- </a:t>
+              <a:t>- vehicle </a:t>
+            </a:r>
+            <a:r>
+              <a:rPr lang="en-US" sz="1400" b="0" dirty="0" err="1" smtClean="0">
+                <a:latin typeface="Courier"/>
+                <a:cs typeface="Courier"/>
+              </a:rPr>
+              <a:t>attr</a:t>
             </a:r>
             <a:r>
               <a:rPr lang="en-US" sz="1400" b="0" dirty="0" smtClean="0">
                 <a:latin typeface="Courier"/>
                 <a:cs typeface="Courier"/>
               </a:rPr>
-              <a:t>vehicle </a:t>
-            </a:r>
-            <a:r>
-              <a:rPr lang="en-US" sz="1400" b="0" dirty="0" err="1" smtClean="0">
-                <a:latin typeface="Courier"/>
-                <a:cs typeface="Courier"/>
-              </a:rPr>
-              <a:t>attr</a:t>
+              <a:t>: </a:t>
+            </a:r>
+            <a:r>
+              <a:rPr lang="en-US" sz="1400" b="0" dirty="0">
+                <a:latin typeface="Courier"/>
+                <a:cs typeface="Courier"/>
+              </a:rPr>
+              <a:t>+</a:t>
             </a:r>
             <a:r>
               <a:rPr lang="en-US" sz="1400" b="0" dirty="0" smtClean="0">
                 <a:latin typeface="Courier"/>
                 <a:cs typeface="Courier"/>
               </a:rPr>
-              <a:t>: </a:t>
-            </a:r>
-            <a:r>
-              <a:rPr lang="en-US" sz="1400" b="0" dirty="0">
-                <a:latin typeface="Courier"/>
-                <a:cs typeface="Courier"/>
-              </a:rPr>
-              <a:t>+</a:t>
-            </a:r>
+              <a:t>customizable</a:t>
+            </a:r>
+          </a:p>
+          <a:p>
+            <a:pPr marL="0" indent="0">
+              <a:buNone/>
+            </a:pPr>
             <a:r>
               <a:rPr lang="en-US" sz="1400" b="0" dirty="0" smtClean="0">
                 <a:latin typeface="Courier"/>
                 <a:cs typeface="Courier"/>
               </a:rPr>
-              <a:t>customizable</a:t>
-            </a:r>
-          </a:p>
-          <a:p>
-            <a:pPr marL="0" indent="0">
-              <a:buNone/>
-            </a:pPr>
-            <a:r>
-              <a:rPr lang="en-US" sz="1400" b="0" dirty="0" smtClean="0">
-                <a:latin typeface="Courier"/>
-                <a:cs typeface="Courier"/>
-              </a:rPr>
-              <a:t>      </a:t>
-            </a:r>
-            <a:r>
-              <a:rPr lang="en-US" sz="1400" b="0" dirty="0" smtClean="0">
-                <a:latin typeface="Courier"/>
-                <a:cs typeface="Courier"/>
-              </a:rPr>
-              <a:t>- </a:t>
+              <a:t>      - </a:t>
             </a:r>
             <a:r>
               <a:rPr lang="en-US" sz="1400" b="0" dirty="0">
@@ -6239,14 +6157,7 @@
                 <a:latin typeface="Courier"/>
                 <a:cs typeface="Courier"/>
               </a:rPr>
-              <a:t>- </a:t>
-            </a:r>
-            <a:r>
-              <a:rPr lang="en-US" sz="1400" b="0" dirty="0" smtClean="0">
-                <a:latin typeface="Courier"/>
-                <a:cs typeface="Courier"/>
-              </a:rPr>
-              <a:t>since year</a:t>
+              <a:t>- since year</a:t>
             </a:r>
             <a:r>
               <a:rPr lang="en-US" sz="1400" b="0" dirty="0">
@@ -6495,21 +6406,7 @@
                 <a:latin typeface="Courier"/>
                 <a:cs typeface="Courier"/>
               </a:rPr>
-              <a:t>(</a:t>
-            </a:r>
-            <a:r>
-              <a:rPr lang="en-US" sz="1400" b="0" dirty="0" smtClean="0">
-                <a:latin typeface="Courier"/>
-                <a:cs typeface="Courier"/>
-              </a:rPr>
-              <a:t>User u) </a:t>
-            </a:r>
-            <a:r>
-              <a:rPr lang="en-US" sz="1400" b="0" dirty="0" smtClean="0">
-                <a:latin typeface="Courier"/>
-                <a:cs typeface="Courier"/>
-              </a:rPr>
-              <a:t>{</a:t>
+              <a:t>(User u) {</a:t>
             </a:r>
           </a:p>
           <a:p>
@@ -6900,45 +6797,27 @@
                 <a:latin typeface="Courier"/>
                 <a:cs typeface="Courier"/>
               </a:rPr>
-              <a:t>           </a:t>
+              <a:t>               ...</a:t>
+            </a:r>
+          </a:p>
+          <a:p>
+            <a:pPr marL="0" indent="0">
+              <a:buNone/>
+            </a:pPr>
+            <a:r>
+              <a:rPr lang="en-US" sz="1400" b="0" dirty="0">
+                <a:latin typeface="Courier"/>
+                <a:cs typeface="Courier"/>
+              </a:rPr>
+              <a:t> </a:t>
             </a:r>
             <a:r>
               <a:rPr lang="en-US" sz="1400" b="0" dirty="0" smtClean="0">
                 <a:latin typeface="Courier"/>
                 <a:cs typeface="Courier"/>
               </a:rPr>
-              <a:t>    .</a:t>
-            </a:r>
-            <a:r>
-              <a:rPr lang="en-US" sz="1400" b="0" dirty="0" smtClean="0">
-                <a:latin typeface="Courier"/>
-                <a:cs typeface="Courier"/>
-              </a:rPr>
-              <a:t>..</a:t>
-            </a:r>
-          </a:p>
-          <a:p>
-            <a:pPr marL="0" indent="0">
-              <a:buNone/>
-            </a:pPr>
-            <a:r>
-              <a:rPr lang="en-US" sz="1400" b="0" dirty="0">
-                <a:latin typeface="Courier"/>
-                <a:cs typeface="Courier"/>
-              </a:rPr>
-              <a:t> </a:t>
-            </a:r>
-            <a:r>
-              <a:rPr lang="en-US" sz="1400" b="0" dirty="0" smtClean="0">
-                <a:latin typeface="Courier"/>
-                <a:cs typeface="Courier"/>
-              </a:rPr>
               <a:t>           } </a:t>
             </a:r>
-            <a:endParaRPr lang="en-US" sz="1400" b="0" dirty="0" smtClean="0">
-              <a:latin typeface="Courier"/>
-              <a:cs typeface="Courier"/>
-            </a:endParaRPr>
           </a:p>
           <a:p>
             <a:pPr marL="0" indent="0">
@@ -7034,10 +6913,6 @@
               </a:rPr>
               <a:t>        } </a:t>
             </a:r>
-            <a:endParaRPr lang="en-US" sz="1400" b="0" dirty="0" smtClean="0">
-              <a:latin typeface="Courier"/>
-              <a:cs typeface="Courier"/>
-            </a:endParaRPr>
           </a:p>
           <a:p>
             <a:pPr marL="0" indent="0">
@@ -7088,14 +6963,7 @@
                 <a:latin typeface="Courier"/>
                 <a:cs typeface="Courier"/>
               </a:rPr>
-              <a:t>    } </a:t>
-            </a:r>
-            <a:r>
-              <a:rPr lang="en-US" sz="1400" b="0" dirty="0" smtClean="0">
-                <a:latin typeface="Courier"/>
-                <a:cs typeface="Courier"/>
-              </a:rPr>
-              <a:t>else {</a:t>
+              <a:t>    } else {</a:t>
             </a:r>
           </a:p>
           <a:p>
@@ -7137,35 +7005,8 @@
                 <a:latin typeface="Courier"/>
                 <a:cs typeface="Courier"/>
               </a:rPr>
-              <a:t>/</a:t>
-            </a:r>
-            <a:r>
-              <a:rPr lang="en-US" sz="1400" b="0" dirty="0" smtClean="0">
-                <a:solidFill>
-                  <a:srgbClr val="31987C"/>
-                </a:solidFill>
-                <a:latin typeface="Courier"/>
-                <a:cs typeface="Courier"/>
-              </a:rPr>
-              <a:t>/ end </a:t>
-            </a:r>
-            <a:r>
-              <a:rPr lang="en-US" sz="1400" b="0" dirty="0" smtClean="0">
-                <a:solidFill>
-                  <a:srgbClr val="31987C"/>
-                </a:solidFill>
-                <a:latin typeface="Courier"/>
-                <a:cs typeface="Courier"/>
-              </a:rPr>
-              <a:t>if can’t afford</a:t>
-            </a:r>
-            <a:endParaRPr lang="en-US" sz="1400" b="0" dirty="0" smtClean="0">
-              <a:solidFill>
-                <a:srgbClr val="31987C"/>
-              </a:solidFill>
-              <a:latin typeface="Courier"/>
-              <a:cs typeface="Courier"/>
-            </a:endParaRPr>
+              <a:t>// end if can’t afford</a:t>
+            </a:r>
           </a:p>
           <a:p>
             <a:pPr marL="0" indent="0">
@@ -7397,28 +7238,7 @@
                 <a:latin typeface="Courier"/>
                 <a:cs typeface="Courier"/>
               </a:rPr>
-              <a:t> </a:t>
-            </a:r>
-            <a:r>
-              <a:rPr lang="en-US" sz="1400" b="0" dirty="0" smtClean="0">
-                <a:latin typeface="Courier"/>
-                <a:cs typeface="Courier"/>
-              </a:rPr>
-              <a:t>  takes</a:t>
-            </a:r>
-            <a:r>
-              <a:rPr lang="en-US" sz="1400" b="0" dirty="0" smtClean="0">
-                <a:latin typeface="Courier"/>
-                <a:cs typeface="Courier"/>
-              </a:rPr>
-              <a:t>: </a:t>
-            </a:r>
-            <a:r>
-              <a:rPr lang="en-US" sz="1400" b="0" dirty="0" smtClean="0">
-                <a:latin typeface="Courier"/>
-                <a:cs typeface="Courier"/>
-              </a:rPr>
-              <a:t>user</a:t>
+              <a:t>   takes: user</a:t>
             </a:r>
           </a:p>
           <a:p>
@@ -7474,40 +7294,19 @@
                 <a:latin typeface="Courier"/>
                 <a:cs typeface="Courier"/>
               </a:rPr>
-              <a:t> </a:t>
-            </a:r>
+              <a:t>   code:</a:t>
+            </a:r>
+          </a:p>
+          <a:p>
+            <a:pPr marL="0" indent="0">
+              <a:buNone/>
+            </a:pPr>
             <a:r>
               <a:rPr lang="en-US" sz="1400" b="0" dirty="0" smtClean="0">
                 <a:latin typeface="Courier"/>
                 <a:cs typeface="Courier"/>
               </a:rPr>
-              <a:t>  code</a:t>
-            </a:r>
-            <a:r>
-              <a:rPr lang="en-US" sz="1400" b="0" dirty="0" smtClean="0">
-                <a:latin typeface="Courier"/>
-                <a:cs typeface="Courier"/>
-              </a:rPr>
-              <a:t>:</a:t>
-            </a:r>
-          </a:p>
-          <a:p>
-            <a:pPr marL="0" indent="0">
-              <a:buNone/>
-            </a:pPr>
-            <a:r>
-              <a:rPr lang="en-US" sz="1400" b="0" dirty="0" smtClean="0">
-                <a:latin typeface="Courier"/>
-                <a:cs typeface="Courier"/>
-              </a:rPr>
-              <a:t>    </a:t>
-            </a:r>
-            <a:r>
-              <a:rPr lang="en-US" sz="1400" b="0" dirty="0" smtClean="0">
-                <a:latin typeface="Courier"/>
-                <a:cs typeface="Courier"/>
-              </a:rPr>
-              <a:t>    </a:t>
+              <a:t>        </a:t>
             </a:r>
             <a:r>
               <a:rPr lang="en-US" sz="1400" b="0" dirty="0" smtClean="0">
@@ -7553,14 +7352,7 @@
                 <a:latin typeface="Courier"/>
                 <a:cs typeface="Courier"/>
               </a:rPr>
-              <a:t>   </a:t>
-            </a:r>
-            <a:r>
-              <a:rPr lang="en-US" sz="1400" b="0" dirty="0" smtClean="0">
-                <a:latin typeface="Courier"/>
-                <a:cs typeface="Courier"/>
-              </a:rPr>
-              <a:t>    </a:t>
+              <a:t>       </a:t>
             </a:r>
             <a:r>
               <a:rPr lang="en-US" sz="1400" b="0" dirty="0" smtClean="0">
@@ -7572,52 +7364,33 @@
                 <a:latin typeface="Courier"/>
                 <a:cs typeface="Courier"/>
               </a:rPr>
-              <a:t>.</a:t>
+              <a:t>...</a:t>
             </a:r>
             <a:r>
               <a:rPr lang="en-US" sz="1400" b="0" dirty="0" smtClean="0">
-                <a:solidFill>
-                  <a:schemeClr val="bg1">
-                    <a:lumMod val="50000"/>
-                  </a:schemeClr>
-                </a:solidFill>
-                <a:latin typeface="Courier"/>
-                <a:cs typeface="Courier"/>
-              </a:rPr>
-              <a:t>..</a:t>
+                <a:latin typeface="Courier"/>
+                <a:cs typeface="Courier"/>
+              </a:rPr>
+              <a:t> (price &gt; current balance &amp;&amp; </a:t>
+            </a:r>
+          </a:p>
+          <a:p>
+            <a:pPr marL="0" indent="0">
+              <a:buNone/>
+            </a:pPr>
+            <a:r>
+              <a:rPr lang="en-US" sz="1400" b="0" dirty="0">
+                <a:latin typeface="Courier"/>
+                <a:cs typeface="Courier"/>
+              </a:rPr>
+              <a:t> </a:t>
             </a:r>
             <a:r>
               <a:rPr lang="en-US" sz="1400" b="0" dirty="0" smtClean="0">
                 <a:latin typeface="Courier"/>
                 <a:cs typeface="Courier"/>
               </a:rPr>
-              <a:t> (price &gt; current balance &amp;&amp; </a:t>
-            </a:r>
-          </a:p>
-          <a:p>
-            <a:pPr marL="0" indent="0">
-              <a:buNone/>
-            </a:pPr>
-            <a:r>
-              <a:rPr lang="en-US" sz="1400" b="0" dirty="0">
-                <a:latin typeface="Courier"/>
-                <a:cs typeface="Courier"/>
-              </a:rPr>
-              <a:t> </a:t>
-            </a:r>
-            <a:r>
-              <a:rPr lang="en-US" sz="1400" b="0" dirty="0" smtClean="0">
-                <a:latin typeface="Courier"/>
-                <a:cs typeface="Courier"/>
-              </a:rPr>
-              <a:t>   </a:t>
-            </a:r>
-            <a:r>
-              <a:rPr lang="en-US" sz="1400" b="0" dirty="0" smtClean="0">
-                <a:latin typeface="Courier"/>
-                <a:cs typeface="Courier"/>
-              </a:rPr>
-              <a:t>    </a:t>
+              <a:t>       </a:t>
             </a:r>
             <a:r>
               <a:rPr lang="en-US" sz="1400" dirty="0" smtClean="0">
@@ -7655,14 +7428,7 @@
                 <a:latin typeface="Courier"/>
                 <a:cs typeface="Courier"/>
               </a:rPr>
-              <a:t>price </a:t>
-            </a:r>
-            <a:r>
-              <a:rPr lang="en-US" sz="1400" b="0" dirty="0" smtClean="0">
-                <a:latin typeface="Courier"/>
-                <a:cs typeface="Courier"/>
-              </a:rPr>
-              <a:t>&gt; </a:t>
+              <a:t>price &gt; </a:t>
             </a:r>
             <a:r>
               <a:rPr lang="en-US" sz="1400" b="0" dirty="0" smtClean="0">
@@ -7691,14 +7457,7 @@
                 <a:latin typeface="Courier"/>
                 <a:cs typeface="Courier"/>
               </a:rPr>
-              <a:t>      </a:t>
-            </a:r>
-            <a:r>
-              <a:rPr lang="en-US" sz="1400" b="0" dirty="0" smtClean="0">
-                <a:latin typeface="Courier"/>
-                <a:cs typeface="Courier"/>
-              </a:rPr>
-              <a:t>      </a:t>
+              <a:t>            </a:t>
             </a:r>
             <a:r>
               <a:rPr lang="en-US" sz="1400" b="0" dirty="0" smtClean="0">
@@ -7751,14 +7510,7 @@
                 <a:latin typeface="Courier"/>
                 <a:cs typeface="Courier"/>
               </a:rPr>
-              <a:t>       </a:t>
-            </a:r>
-            <a:r>
-              <a:rPr lang="en-US" sz="1400" b="0" dirty="0" smtClean="0">
-                <a:latin typeface="Courier"/>
-                <a:cs typeface="Courier"/>
-              </a:rPr>
-              <a:t>        </a:t>
+              <a:t>               </a:t>
             </a:r>
             <a:r>
               <a:rPr lang="en-US" sz="1400" b="0" dirty="0" smtClean="0">
@@ -7775,14 +7527,7 @@
                 <a:latin typeface="Courier"/>
                 <a:cs typeface="Courier"/>
               </a:rPr>
-              <a:t> </a:t>
-            </a:r>
-            <a:r>
-              <a:rPr lang="en-US" sz="1400" b="0" dirty="0" smtClean="0">
-                <a:latin typeface="Courier"/>
-                <a:cs typeface="Courier"/>
-              </a:rPr>
-              <a:t>offer </a:t>
+              <a:t> offer </a:t>
             </a:r>
             <a:r>
               <a:rPr lang="en-US" sz="1400" b="0" dirty="0" smtClean="0">
@@ -7839,33 +7584,19 @@
                 <a:latin typeface="Courier"/>
                 <a:cs typeface="Courier"/>
               </a:rPr>
-              <a:t>.</a:t>
-            </a:r>
+              <a:t>...</a:t>
+            </a:r>
+          </a:p>
+          <a:p>
+            <a:pPr marL="0" indent="0">
+              <a:buNone/>
+            </a:pPr>
             <a:r>
               <a:rPr lang="en-US" sz="1400" b="0" dirty="0" smtClean="0">
                 <a:latin typeface="Courier"/>
                 <a:cs typeface="Courier"/>
               </a:rPr>
-              <a:t>..</a:t>
-            </a:r>
-          </a:p>
-          <a:p>
-            <a:pPr marL="0" indent="0">
-              <a:buNone/>
-            </a:pPr>
-            <a:r>
-              <a:rPr lang="en-US" sz="1400" b="0" dirty="0" smtClean="0">
-                <a:latin typeface="Courier"/>
-                <a:cs typeface="Courier"/>
-              </a:rPr>
-              <a:t>      </a:t>
-            </a:r>
-            <a:r>
-              <a:rPr lang="en-US" sz="1400" b="0" dirty="0" smtClean="0">
-                <a:latin typeface="Courier"/>
-                <a:cs typeface="Courier"/>
-              </a:rPr>
-              <a:t>      </a:t>
+              <a:t>            </a:t>
             </a:r>
             <a:r>
               <a:rPr lang="en-US" sz="1400" b="0" dirty="0" smtClean="0">
@@ -7882,6 +7613,18 @@
                 <a:latin typeface="Courier"/>
                 <a:cs typeface="Courier"/>
               </a:rPr>
+              <a:t> bad credit risk exception:</a:t>
+            </a:r>
+          </a:p>
+          <a:p>
+            <a:pPr marL="0" indent="0">
+              <a:buNone/>
+            </a:pPr>
+            <a:r>
+              <a:rPr lang="en-US" sz="1400" b="0" dirty="0">
+                <a:latin typeface="Courier"/>
+                <a:cs typeface="Courier"/>
+              </a:rPr>
               <a:t> </a:t>
             </a:r>
             <a:r>
@@ -7889,7 +7632,28 @@
                 <a:latin typeface="Courier"/>
                 <a:cs typeface="Courier"/>
               </a:rPr>
-              <a:t>bad credit risk exception:</a:t>
+              <a:t>     </a:t>
+            </a:r>
+            <a:r>
+              <a:rPr lang="en-US" sz="1400" dirty="0">
+                <a:latin typeface="Courier"/>
+                <a:cs typeface="Courier"/>
+              </a:rPr>
+              <a:t> </a:t>
+            </a:r>
+            <a:r>
+              <a:rPr lang="en-US" sz="1400" dirty="0" smtClean="0">
+                <a:latin typeface="Courier"/>
+                <a:cs typeface="Courier"/>
+              </a:rPr>
+              <a:t>     </a:t>
+            </a:r>
+            <a:r>
+              <a:rPr lang="en-US" sz="1400" b="0" dirty="0" smtClean="0">
+                <a:latin typeface="Courier"/>
+                <a:cs typeface="Courier"/>
+              </a:rPr>
+              <a:t>...</a:t>
             </a:r>
           </a:p>
           <a:p>
@@ -7897,65 +7661,11 @@
               <a:buNone/>
             </a:pPr>
             <a:r>
-              <a:rPr lang="en-US" sz="1400" b="0" dirty="0">
-                <a:latin typeface="Courier"/>
-                <a:cs typeface="Courier"/>
-              </a:rPr>
-              <a:t> </a:t>
-            </a:r>
-            <a:r>
               <a:rPr lang="en-US" sz="1400" b="0" dirty="0" smtClean="0">
                 <a:latin typeface="Courier"/>
                 <a:cs typeface="Courier"/>
               </a:rPr>
-              <a:t>     </a:t>
-            </a:r>
-            <a:r>
-              <a:rPr lang="en-US" sz="1400" dirty="0">
-                <a:latin typeface="Courier"/>
-                <a:cs typeface="Courier"/>
-              </a:rPr>
-              <a:t> </a:t>
-            </a:r>
-            <a:r>
-              <a:rPr lang="en-US" sz="1400" dirty="0" smtClean="0">
-                <a:latin typeface="Courier"/>
-                <a:cs typeface="Courier"/>
-              </a:rPr>
-              <a:t>     </a:t>
-            </a:r>
-            <a:r>
-              <a:rPr lang="en-US" sz="1400" b="0" dirty="0" smtClean="0">
-                <a:latin typeface="Courier"/>
-                <a:cs typeface="Courier"/>
-              </a:rPr>
-              <a:t>.</a:t>
-            </a:r>
-            <a:r>
-              <a:rPr lang="en-US" sz="1400" b="0" dirty="0" smtClean="0">
-                <a:latin typeface="Courier"/>
-                <a:cs typeface="Courier"/>
-              </a:rPr>
-              <a:t>..</a:t>
-            </a:r>
-          </a:p>
-          <a:p>
-            <a:pPr marL="0" indent="0">
-              <a:buNone/>
-            </a:pPr>
-            <a:r>
-              <a:rPr lang="en-US" sz="1400" b="0" dirty="0" smtClean="0">
-                <a:latin typeface="Courier"/>
-                <a:cs typeface="Courier"/>
-              </a:rPr>
-              <a:t>    </a:t>
-            </a:r>
-            <a:r>
-              <a:rPr lang="en-US" sz="1400" b="0" dirty="0" smtClean="0">
-                <a:latin typeface="Courier"/>
-                <a:cs typeface="Courier"/>
-              </a:rPr>
-              <a:t>    </a:t>
+              <a:t>        </a:t>
             </a:r>
             <a:r>
               <a:rPr lang="en-US" sz="1400" b="0" dirty="0" smtClean="0">
@@ -7965,57 +7675,33 @@
                 <a:latin typeface="Courier"/>
                 <a:cs typeface="Courier"/>
               </a:rPr>
-              <a:t>end </a:t>
+              <a:t>end if </a:t>
             </a:r>
             <a:r>
               <a:rPr lang="en-US" sz="1400" b="0" dirty="0" smtClean="0">
-                <a:solidFill>
-                  <a:srgbClr val="3366FF"/>
-                </a:solidFill>
-                <a:latin typeface="Courier"/>
-                <a:cs typeface="Courier"/>
-              </a:rPr>
-              <a:t>if </a:t>
+                <a:latin typeface="Courier"/>
+                <a:cs typeface="Courier"/>
+              </a:rPr>
+              <a:t>can’t afford</a:t>
+            </a:r>
+          </a:p>
+          <a:p>
+            <a:pPr marL="0" indent="0">
+              <a:buNone/>
+            </a:pPr>
+            <a:r>
+              <a:rPr lang="en-US" sz="1400" b="0" dirty="0">
+                <a:latin typeface="Courier"/>
+                <a:cs typeface="Courier"/>
+              </a:rPr>
+              <a:t> </a:t>
             </a:r>
             <a:r>
               <a:rPr lang="en-US" sz="1400" b="0" dirty="0" smtClean="0">
                 <a:latin typeface="Courier"/>
                 <a:cs typeface="Courier"/>
               </a:rPr>
-              <a:t>can’t afford</a:t>
-            </a:r>
-          </a:p>
-          <a:p>
-            <a:pPr marL="0" indent="0">
-              <a:buNone/>
-            </a:pPr>
-            <a:r>
-              <a:rPr lang="en-US" sz="1400" b="0" dirty="0">
-                <a:latin typeface="Courier"/>
-                <a:cs typeface="Courier"/>
-              </a:rPr>
-              <a:t> </a:t>
-            </a:r>
-            <a:r>
-              <a:rPr lang="en-US" sz="1400" b="0" dirty="0" smtClean="0">
-                <a:latin typeface="Courier"/>
-                <a:cs typeface="Courier"/>
-              </a:rPr>
-              <a:t>   </a:t>
-            </a:r>
-            <a:r>
-              <a:rPr lang="en-US" sz="1400" b="0" dirty="0" smtClean="0">
-                <a:latin typeface="Courier"/>
-                <a:cs typeface="Courier"/>
-              </a:rPr>
-              <a:t>    .</a:t>
-            </a:r>
-            <a:r>
-              <a:rPr lang="en-US" sz="1400" b="0" dirty="0" smtClean="0">
-                <a:latin typeface="Courier"/>
-                <a:cs typeface="Courier"/>
-              </a:rPr>
-              <a:t>..</a:t>
+              <a:t>       ...</a:t>
             </a:r>
           </a:p>
         </p:txBody>
@@ -8225,29 +7911,13 @@
           <a:p>
             <a:r>
               <a:rPr lang="en-US" dirty="0" smtClean="0"/>
-              <a:t>Accelerating pace </a:t>
-            </a:r>
+              <a:t>Accelerating pace of tech change</a:t>
+            </a:r>
+          </a:p>
+          <a:p>
             <a:r>
               <a:rPr lang="en-US" dirty="0" smtClean="0"/>
-              <a:t>of </a:t>
-            </a:r>
-            <a:r>
-              <a:rPr lang="en-US" dirty="0" smtClean="0"/>
-              <a:t>tech </a:t>
-            </a:r>
-            <a:r>
-              <a:rPr lang="en-US" dirty="0" smtClean="0"/>
-              <a:t>change</a:t>
-            </a:r>
-          </a:p>
-          <a:p>
-            <a:r>
-              <a:rPr lang="en-US" dirty="0" smtClean="0"/>
-              <a:t>Distributed, outsourced </a:t>
-            </a:r>
-            <a:r>
-              <a:rPr lang="en-US" dirty="0" smtClean="0"/>
-              <a:t>work</a:t>
+              <a:t>Distributed, outsourced work</a:t>
             </a:r>
           </a:p>
           <a:p>
@@ -8255,29 +7925,18 @@
               <a:rPr lang="en-US" dirty="0" smtClean="0"/>
               <a:t>Proliferating ultra scale</a:t>
             </a:r>
-            <a:endParaRPr lang="en-US" dirty="0" smtClean="0"/>
           </a:p>
           <a:p>
             <a:r>
               <a:rPr lang="en-US" dirty="0" smtClean="0"/>
-              <a:t>Fragmented </a:t>
-            </a:r>
+              <a:t>Fragmented information (docs, tickets, code, email…)</a:t>
+            </a:r>
+          </a:p>
+          <a:p>
             <a:r>
               <a:rPr lang="en-US" dirty="0" smtClean="0"/>
-              <a:t>information (docs, tickets, code, email…)</a:t>
-            </a:r>
-            <a:endParaRPr lang="en-US" dirty="0" smtClean="0"/>
-          </a:p>
-          <a:p>
-            <a:r>
-              <a:rPr lang="en-US" dirty="0" smtClean="0"/>
-              <a:t>Steepening learning curves for </a:t>
-            </a:r>
-            <a:r>
-              <a:rPr lang="en-US" dirty="0" smtClean="0"/>
-              <a:t>niches, codebases</a:t>
-            </a:r>
-            <a:endParaRPr lang="en-US" dirty="0" smtClean="0"/>
+              <a:t>Steepening learning curves for niches, codebases</a:t>
+            </a:r>
           </a:p>
           <a:p>
             <a:r>
@@ -8286,44 +7945,20 @@
             </a:r>
             <a:r>
               <a:rPr lang="en-US" dirty="0" err="1" smtClean="0"/>
-              <a:t>b</a:t>
-            </a:r>
-            <a:r>
-              <a:rPr lang="en-US" dirty="0" err="1" smtClean="0"/>
-              <a:t>ugginess</a:t>
+              <a:t>bugginess</a:t>
             </a:r>
             <a:endParaRPr lang="en-US" dirty="0" smtClean="0"/>
           </a:p>
           <a:p>
             <a:r>
               <a:rPr lang="en-US" dirty="0" smtClean="0"/>
-              <a:t>Growing “</a:t>
-            </a:r>
+              <a:t>Growing “grunt work” ratio cuts margin of creativity</a:t>
+            </a:r>
+          </a:p>
+          <a:p>
             <a:r>
               <a:rPr lang="en-US" dirty="0" smtClean="0"/>
-              <a:t>grunt work</a:t>
-            </a:r>
-            <a:r>
-              <a:rPr lang="en-US" dirty="0" smtClean="0"/>
-              <a:t>” ratio cuts margin </a:t>
-            </a:r>
-            <a:r>
-              <a:rPr lang="en-US" dirty="0" smtClean="0"/>
-              <a:t>of creativity</a:t>
-            </a:r>
-          </a:p>
-          <a:p>
-            <a:r>
-              <a:rPr lang="en-US" dirty="0" smtClean="0"/>
-              <a:t>Alarming divides </a:t>
-            </a:r>
-            <a:r>
-              <a:rPr lang="en-US" dirty="0" smtClean="0"/>
-              <a:t>between </a:t>
-            </a:r>
-            <a:r>
-              <a:rPr lang="en-US" dirty="0" smtClean="0"/>
-              <a:t>code, tests, and people</a:t>
+              <a:t>Alarming divides between code, tests, and people</a:t>
             </a:r>
             <a:endParaRPr lang="en-US" dirty="0"/>
           </a:p>
@@ -8593,19 +8228,7 @@
             </a:r>
             <a:r>
               <a:rPr lang="en-US" dirty="0" smtClean="0"/>
-              <a:t>, </a:t>
-            </a:r>
-            <a:r>
-              <a:rPr lang="en-US" dirty="0" smtClean="0"/>
-              <a:t>JVM], C++, java, </a:t>
-            </a:r>
-            <a:r>
-              <a:rPr lang="en-US" dirty="0" smtClean="0"/>
-              <a:t>python…</a:t>
-            </a:r>
-            <a:r>
-              <a:rPr lang="en-US" dirty="0" smtClean="0"/>
-              <a:t>)</a:t>
+              <a:t>, JVM], C++, java, python…)</a:t>
             </a:r>
           </a:p>
           <a:p>
@@ -9242,7 +8865,7 @@
           <a:p>
             <a:r>
               <a:rPr lang="en-US" dirty="0" smtClean="0"/>
-              <a:t>Progressive disclosure</a:t>
+              <a:t>A curious compiler</a:t>
             </a:r>
             <a:endParaRPr lang="en-US" dirty="0"/>
           </a:p>
@@ -9263,7 +8886,17 @@
           <a:bodyPr/>
           <a:lstStyle/>
           <a:p>
-            <a:endParaRPr lang="en-US"/>
+            <a:r>
+              <a:rPr lang="en-US" dirty="0" smtClean="0"/>
+              <a:t>Warnings become questions – answers recorded using the anchor for the statement in question as a reference point</a:t>
+            </a:r>
+          </a:p>
+          <a:p>
+            <a:r>
+              <a:rPr lang="en-US" dirty="0" smtClean="0"/>
+              <a:t>Compiler generates tests and proves certain things, like O(n) guarantees</a:t>
+            </a:r>
+            <a:endParaRPr lang="en-US" dirty="0"/>
           </a:p>
         </p:txBody>
       </p:sp>
@@ -9293,7 +8926,7 @@
     </p:spTree>
     <p:extLst>
       <p:ext uri="{BB962C8B-B14F-4D97-AF65-F5344CB8AC3E}">
-        <p14:creationId xmlns:p14="http://schemas.microsoft.com/office/powerpoint/2010/main" val="1147971781"/>
+        <p14:creationId xmlns:p14="http://schemas.microsoft.com/office/powerpoint/2010/main" val="1125263342"/>
       </p:ext>
     </p:extLst>
   </p:cSld>
@@ -9337,7 +8970,7 @@
           <a:p>
             <a:r>
               <a:rPr lang="en-US" dirty="0" smtClean="0"/>
-              <a:t>Convention over configuration</a:t>
+              <a:t>When errors become problems</a:t>
             </a:r>
             <a:endParaRPr lang="en-US" dirty="0"/>
           </a:p>
@@ -9358,7 +8991,92 @@
           <a:bodyPr/>
           <a:lstStyle/>
           <a:p>
-            <a:endParaRPr lang="en-US"/>
+            <a:r>
+              <a:rPr lang="en-US" sz="2400" dirty="0" smtClean="0"/>
+              <a:t>Problems are conditions that require remediation, can be declared:</a:t>
+            </a:r>
+          </a:p>
+          <a:p>
+            <a:pPr lvl="1"/>
+            <a:r>
+              <a:rPr lang="en-US" sz="2000" dirty="0" smtClean="0"/>
+              <a:t>Inside any block, including </a:t>
+            </a:r>
+            <a:r>
+              <a:rPr lang="en-US" sz="2000" dirty="0" err="1" smtClean="0"/>
+              <a:t>func</a:t>
+            </a:r>
+            <a:r>
+              <a:rPr lang="en-US" sz="2000" dirty="0" smtClean="0"/>
+              <a:t>, try, catch, loop, conditional</a:t>
+            </a:r>
+          </a:p>
+          <a:p>
+            <a:pPr lvl="1"/>
+            <a:r>
+              <a:rPr lang="en-US" sz="2000" dirty="0" smtClean="0"/>
+              <a:t>Problem object can take action synchronously or asynchronously</a:t>
+            </a:r>
+          </a:p>
+          <a:p>
+            <a:pPr lvl="1"/>
+            <a:r>
+              <a:rPr lang="en-US" sz="2000" dirty="0" smtClean="0"/>
+              <a:t>Problem object has built-in support for frequency rules, circuit breakers, logging, notifications</a:t>
+            </a:r>
+          </a:p>
+          <a:p>
+            <a:pPr marL="57150" indent="0">
+              <a:buNone/>
+            </a:pPr>
+            <a:r>
+              <a:rPr lang="en-US" sz="2400" dirty="0" smtClean="0"/>
+              <a:t>problem “flaky network” if </a:t>
+            </a:r>
+            <a:r>
+              <a:rPr lang="en-US" sz="2400" dirty="0" err="1" smtClean="0"/>
+              <a:t>codepath.throws.frequency</a:t>
+            </a:r>
+            <a:r>
+              <a:rPr lang="en-US" sz="2400" dirty="0" smtClean="0"/>
+              <a:t> &gt; 3%:</a:t>
+            </a:r>
+          </a:p>
+          <a:p>
+            <a:pPr marL="57150" indent="0">
+              <a:buNone/>
+            </a:pPr>
+            <a:r>
+              <a:rPr lang="en-US" sz="2400" dirty="0"/>
+              <a:t>	</a:t>
+            </a:r>
+            <a:r>
+              <a:rPr lang="en-US" sz="2400" dirty="0" smtClean="0"/>
+              <a:t>window: 10 seconds</a:t>
+            </a:r>
+          </a:p>
+          <a:p>
+            <a:pPr marL="57150" indent="0">
+              <a:buNone/>
+            </a:pPr>
+            <a:r>
+              <a:rPr lang="en-US" sz="2400" dirty="0"/>
+              <a:t>	</a:t>
+            </a:r>
+            <a:r>
+              <a:rPr lang="en-US" sz="2400" dirty="0" smtClean="0"/>
+              <a:t>circuit breaker: &lt;alt code path&gt;</a:t>
+            </a:r>
+          </a:p>
+          <a:p>
+            <a:pPr marL="57150" indent="0">
+              <a:buNone/>
+            </a:pPr>
+            <a:r>
+              <a:rPr lang="en-US" sz="2400"/>
+              <a:t>	</a:t>
+            </a:r>
+            <a:endParaRPr lang="en-US" sz="2400" dirty="0" smtClean="0"/>
           </a:p>
         </p:txBody>
       </p:sp>
@@ -9388,7 +9106,7 @@
     </p:spTree>
     <p:extLst>
       <p:ext uri="{BB962C8B-B14F-4D97-AF65-F5344CB8AC3E}">
-        <p14:creationId xmlns:p14="http://schemas.microsoft.com/office/powerpoint/2010/main" val="1589523767"/>
+        <p14:creationId xmlns:p14="http://schemas.microsoft.com/office/powerpoint/2010/main" val="3111603573"/>
       </p:ext>
     </p:extLst>
   </p:cSld>
@@ -9471,23 +9189,7 @@
             </a:r>
             <a:r>
               <a:rPr lang="en-US" dirty="0" smtClean="0"/>
-              <a:t>ainstream </a:t>
-            </a:r>
-            <a:r>
-              <a:rPr lang="en-US" dirty="0" smtClean="0"/>
-              <a:t>programming </a:t>
-            </a:r>
-            <a:r>
-              <a:rPr lang="en-US" dirty="0" smtClean="0"/>
-              <a:t>languages focus </a:t>
-            </a:r>
-            <a:r>
-              <a:rPr lang="en-US" dirty="0" smtClean="0"/>
-              <a:t>on </a:t>
-            </a:r>
-            <a:r>
-              <a:rPr lang="en-US" dirty="0" smtClean="0"/>
-              <a:t>telling a computer </a:t>
+              <a:t>ainstream programming languages focus on telling a computer </a:t>
             </a:r>
             <a:r>
               <a:rPr lang="en-US" i="1" dirty="0" smtClean="0">
@@ -9507,15 +9209,7 @@
             </a:r>
             <a:r>
               <a:rPr lang="en-US" dirty="0" smtClean="0"/>
-              <a:t>to </a:t>
-            </a:r>
-            <a:r>
-              <a:rPr lang="en-US" dirty="0" smtClean="0"/>
-              <a:t>do (imperative) </a:t>
-            </a:r>
-            <a:r>
-              <a:rPr lang="en-US" dirty="0" smtClean="0"/>
-              <a:t>and </a:t>
+              <a:t>to do (imperative) and </a:t>
             </a:r>
             <a:r>
               <a:rPr lang="en-US" i="1" dirty="0" smtClean="0">
@@ -9550,11 +9244,7 @@
             </a:pPr>
             <a:r>
               <a:rPr lang="en-US" dirty="0" smtClean="0"/>
-              <a:t>They </a:t>
-            </a:r>
-            <a:r>
-              <a:rPr lang="en-US" dirty="0" smtClean="0"/>
-              <a:t>ignore people, and they treat </a:t>
+              <a:t>They ignore people, and they treat </a:t>
             </a:r>
             <a:r>
               <a:rPr lang="en-US" i="1" dirty="0">
@@ -9568,7 +9258,6 @@
               <a:rPr lang="en-US" dirty="0" smtClean="0"/>
               <a:t> as an external, human concern.</a:t>
             </a:r>
-            <a:endParaRPr lang="en-US" dirty="0" smtClean="0"/>
           </a:p>
           <a:p>
             <a:pPr marL="0" indent="0">
@@ -9584,7 +9273,6 @@
               <a:rPr lang="en-US" dirty="0" smtClean="0"/>
               <a:t>This is unsustainable.</a:t>
             </a:r>
-            <a:endParaRPr lang="en-US" dirty="0" smtClean="0"/>
           </a:p>
           <a:p>
             <a:endParaRPr lang="en-US" dirty="0"/>
@@ -9645,7 +9333,7 @@
           <a:p>
             <a:r>
               <a:rPr lang="en-US" dirty="0" smtClean="0"/>
-              <a:t>Resource semantics</a:t>
+              <a:t>Progressive disclosure</a:t>
             </a:r>
             <a:endParaRPr lang="en-US" dirty="0"/>
           </a:p>
@@ -9666,29 +9354,7 @@
           <a:bodyPr/>
           <a:lstStyle/>
           <a:p>
-            <a:r>
-              <a:rPr lang="en-US" dirty="0" smtClean="0"/>
-              <a:t>Mark a library function as using the </a:t>
-            </a:r>
-            <a:r>
-              <a:rPr lang="en-US" dirty="0" err="1" smtClean="0"/>
-              <a:t>filesystem</a:t>
-            </a:r>
-            <a:r>
-              <a:rPr lang="en-US" dirty="0" smtClean="0"/>
-              <a:t>, a DB, the network</a:t>
-            </a:r>
-          </a:p>
-          <a:p>
-            <a:r>
-              <a:rPr lang="en-US" dirty="0" smtClean="0"/>
-              <a:t>Write performance guarantees on client function, and assert that nobody in call graph uses the </a:t>
-            </a:r>
-            <a:r>
-              <a:rPr lang="en-US" dirty="0" err="1" smtClean="0"/>
-              <a:t>filesystem</a:t>
-            </a:r>
-            <a:endParaRPr lang="en-US" dirty="0"/>
+            <a:endParaRPr lang="en-US"/>
           </a:p>
         </p:txBody>
       </p:sp>
@@ -9718,7 +9384,7 @@
     </p:spTree>
     <p:extLst>
       <p:ext uri="{BB962C8B-B14F-4D97-AF65-F5344CB8AC3E}">
-        <p14:creationId xmlns:p14="http://schemas.microsoft.com/office/powerpoint/2010/main" val="2886097760"/>
+        <p14:creationId xmlns:p14="http://schemas.microsoft.com/office/powerpoint/2010/main" val="1147971781"/>
       </p:ext>
     </p:extLst>
   </p:cSld>
@@ -9762,7 +9428,7 @@
           <a:p>
             <a:r>
               <a:rPr lang="en-US" dirty="0" smtClean="0"/>
-              <a:t>Meta code</a:t>
+              <a:t>Convention over configuration</a:t>
             </a:r>
             <a:endParaRPr lang="en-US" dirty="0"/>
           </a:p>
@@ -9783,11 +9449,7 @@
           <a:bodyPr/>
           <a:lstStyle/>
           <a:p>
-            <a:r>
-              <a:rPr lang="en-US" dirty="0" smtClean="0"/>
-              <a:t>Instructions to compiler, either in housekeeping phase or generating phase</a:t>
-            </a:r>
-            <a:endParaRPr lang="en-US" dirty="0"/>
+            <a:endParaRPr lang="en-US"/>
           </a:p>
         </p:txBody>
       </p:sp>
@@ -9817,7 +9479,7 @@
     </p:spTree>
     <p:extLst>
       <p:ext uri="{BB962C8B-B14F-4D97-AF65-F5344CB8AC3E}">
-        <p14:creationId xmlns:p14="http://schemas.microsoft.com/office/powerpoint/2010/main" val="1814564669"/>
+        <p14:creationId xmlns:p14="http://schemas.microsoft.com/office/powerpoint/2010/main" val="1589523767"/>
       </p:ext>
     </p:extLst>
   </p:cSld>
@@ -9861,7 +9523,7 @@
           <a:p>
             <a:r>
               <a:rPr lang="en-US" dirty="0" smtClean="0"/>
-              <a:t>Step routines</a:t>
+              <a:t>Resource semantics</a:t>
             </a:r>
             <a:endParaRPr lang="en-US" dirty="0"/>
           </a:p>
@@ -9884,41 +9546,25 @@
           <a:p>
             <a:r>
               <a:rPr lang="en-US" dirty="0" smtClean="0"/>
-              <a:t>Begin with capital letter</a:t>
-            </a:r>
-          </a:p>
-          <a:p>
+              <a:t>Mark a library function as using the </a:t>
+            </a:r>
+            <a:r>
+              <a:rPr lang="en-US" dirty="0" err="1" smtClean="0"/>
+              <a:t>filesystem</a:t>
+            </a:r>
             <a:r>
               <a:rPr lang="en-US" dirty="0" smtClean="0"/>
-              <a:t>Stubbed if end with .</a:t>
+              <a:t>, a DB, the network</a:t>
             </a:r>
           </a:p>
           <a:p>
             <a:r>
               <a:rPr lang="en-US" dirty="0" smtClean="0"/>
-              <a:t>Moved out during “housekeeping” phase.</a:t>
-            </a:r>
-          </a:p>
-          <a:p>
-            <a:r>
-              <a:rPr lang="en-US" dirty="0" smtClean="0"/>
-              <a:t>No </a:t>
+              <a:t>Write performance guarantees on client function, and assert that nobody in call graph uses the </a:t>
             </a:r>
             <a:r>
               <a:rPr lang="en-US" dirty="0" err="1" smtClean="0"/>
-              <a:t>params</a:t>
-            </a:r>
-            <a:r>
-              <a:rPr lang="en-US" dirty="0" smtClean="0"/>
-              <a:t>; automatically use all </a:t>
-            </a:r>
-            <a:r>
-              <a:rPr lang="en-US" dirty="0" err="1" smtClean="0"/>
-              <a:t>params</a:t>
-            </a:r>
-            <a:r>
-              <a:rPr lang="en-US" dirty="0" smtClean="0"/>
-              <a:t> from parent, with same name.</a:t>
+              <a:t>filesystem</a:t>
             </a:r>
             <a:endParaRPr lang="en-US" dirty="0"/>
           </a:p>
@@ -9950,7 +9596,7 @@
     </p:spTree>
     <p:extLst>
       <p:ext uri="{BB962C8B-B14F-4D97-AF65-F5344CB8AC3E}">
-        <p14:creationId xmlns:p14="http://schemas.microsoft.com/office/powerpoint/2010/main" val="1793779460"/>
+        <p14:creationId xmlns:p14="http://schemas.microsoft.com/office/powerpoint/2010/main" val="2886097760"/>
       </p:ext>
     </p:extLst>
   </p:cSld>
@@ -9994,7 +9640,7 @@
           <a:p>
             <a:r>
               <a:rPr lang="en-US" dirty="0" smtClean="0"/>
-              <a:t>Tables</a:t>
+              <a:t>Meta code</a:t>
             </a:r>
             <a:endParaRPr lang="en-US" dirty="0"/>
           </a:p>
@@ -10016,214 +9662,40 @@
           <a:lstStyle/>
           <a:p>
             <a:r>
-              <a:rPr lang="en-US" sz="2000" b="0" dirty="0" err="1" smtClean="0"/>
-              <a:t>Enums</a:t>
-            </a:r>
-            <a:r>
-              <a:rPr lang="en-US" sz="2000" b="0" dirty="0" smtClean="0"/>
-              <a:t> on steroids – associate any number of fields, not just name and number. Methods, as in java.</a:t>
-            </a:r>
-          </a:p>
-          <a:p>
-            <a:r>
-              <a:rPr lang="en-US" sz="2000" b="0" dirty="0" smtClean="0"/>
-              <a:t>Define semantics for each column with full intent power.</a:t>
-            </a:r>
-          </a:p>
-          <a:p>
-            <a:r>
-              <a:rPr lang="en-US" sz="2000" b="0" dirty="0" smtClean="0"/>
-              <a:t>Declarable with </a:t>
-            </a:r>
-            <a:r>
-              <a:rPr lang="en-US" sz="2000" b="0" dirty="0" err="1" smtClean="0"/>
-              <a:t>json</a:t>
-            </a:r>
-            <a:r>
-              <a:rPr lang="en-US" sz="2000" b="0" dirty="0" smtClean="0"/>
-              <a:t>, </a:t>
-            </a:r>
-            <a:r>
-              <a:rPr lang="en-US" sz="2000" b="0" dirty="0" err="1" smtClean="0"/>
-              <a:t>csv</a:t>
-            </a:r>
-            <a:r>
-              <a:rPr lang="en-US" sz="2000" b="0" dirty="0" smtClean="0"/>
-              <a:t>, or </a:t>
-            </a:r>
-            <a:r>
-              <a:rPr lang="en-US" sz="2000" b="0" dirty="0" err="1" smtClean="0"/>
-              <a:t>tsv</a:t>
-            </a:r>
-            <a:r>
-              <a:rPr lang="en-US" sz="2000" b="0" dirty="0" smtClean="0"/>
-              <a:t> </a:t>
-            </a:r>
-            <a:r>
-              <a:rPr lang="en-US" sz="2000" b="0" dirty="0" smtClean="0"/>
-              <a:t>attachment.</a:t>
-            </a:r>
-          </a:p>
-          <a:p>
-            <a:r>
-              <a:rPr lang="en-US" sz="2000" b="0" dirty="0" smtClean="0"/>
-              <a:t>May contain </a:t>
-            </a:r>
-            <a:r>
-              <a:rPr lang="en-US" sz="2000" b="0" dirty="0" err="1" smtClean="0"/>
-              <a:t>metacode</a:t>
-            </a:r>
-            <a:r>
-              <a:rPr lang="en-US" sz="2000" b="0" dirty="0"/>
-              <a:t> </a:t>
-            </a:r>
-            <a:r>
-              <a:rPr lang="en-US" sz="2000" b="0" dirty="0" smtClean="0"/>
-              <a:t>(formulas)</a:t>
-            </a:r>
-          </a:p>
-          <a:p>
-            <a:endParaRPr lang="en-US" sz="2000" b="0" dirty="0"/>
-          </a:p>
-          <a:p>
-            <a:pPr marL="0" indent="0">
-              <a:buNone/>
-            </a:pPr>
-            <a:r>
-              <a:rPr lang="en-US" sz="1600" b="0" dirty="0">
-                <a:latin typeface="Courier"/>
-                <a:cs typeface="Courier"/>
-              </a:rPr>
-              <a:t>p</a:t>
-            </a:r>
-            <a:r>
-              <a:rPr lang="en-US" sz="1600" b="0" dirty="0" smtClean="0">
-                <a:latin typeface="Courier"/>
-                <a:cs typeface="Courier"/>
-              </a:rPr>
-              <a:t>lanets: table</a:t>
-            </a:r>
-          </a:p>
-          <a:p>
-            <a:pPr marL="0" indent="0">
-              <a:buNone/>
-            </a:pPr>
-            <a:r>
-              <a:rPr lang="en-US" sz="1600" b="0" dirty="0" smtClean="0">
-                <a:latin typeface="Courier"/>
-                <a:cs typeface="Courier"/>
-              </a:rPr>
-              <a:t>  fields:</a:t>
-            </a:r>
-          </a:p>
-          <a:p>
-            <a:pPr marL="0" indent="0">
-              <a:buNone/>
-            </a:pPr>
-            <a:r>
-              <a:rPr lang="en-US" sz="1600" b="0" dirty="0">
-                <a:latin typeface="Courier"/>
-                <a:cs typeface="Courier"/>
-              </a:rPr>
-              <a:t> </a:t>
-            </a:r>
-            <a:r>
-              <a:rPr lang="en-US" sz="1600" b="0" dirty="0" smtClean="0">
-                <a:latin typeface="Courier"/>
-                <a:cs typeface="Courier"/>
-              </a:rPr>
-              <a:t>   - name: symbolic id</a:t>
-            </a:r>
-          </a:p>
-          <a:p>
-            <a:pPr marL="0" indent="0">
-              <a:buNone/>
-            </a:pPr>
-            <a:r>
-              <a:rPr lang="en-US" sz="1600" b="0" dirty="0">
-                <a:latin typeface="Courier"/>
-                <a:cs typeface="Courier"/>
-              </a:rPr>
-              <a:t> </a:t>
-            </a:r>
-            <a:r>
-              <a:rPr lang="en-US" sz="1600" b="0" dirty="0" smtClean="0">
-                <a:latin typeface="Courier"/>
-                <a:cs typeface="Courier"/>
-              </a:rPr>
-              <a:t>   - value: +range(1,8)</a:t>
-            </a:r>
-          </a:p>
-          <a:p>
-            <a:pPr marL="0" indent="0">
-              <a:buNone/>
-            </a:pPr>
-            <a:r>
-              <a:rPr lang="en-US" sz="1600" b="0" dirty="0">
-                <a:latin typeface="Courier"/>
-                <a:cs typeface="Courier"/>
-              </a:rPr>
-              <a:t> </a:t>
-            </a:r>
-            <a:r>
-              <a:rPr lang="en-US" sz="1600" b="0" dirty="0" smtClean="0">
-                <a:latin typeface="Courier"/>
-                <a:cs typeface="Courier"/>
-              </a:rPr>
-              <a:t>   - mass: +units(“kg”) double</a:t>
-            </a:r>
-          </a:p>
-          <a:p>
-            <a:pPr marL="0" indent="0">
-              <a:buNone/>
-            </a:pPr>
-            <a:r>
-              <a:rPr lang="en-US" sz="1600" b="0" dirty="0">
-                <a:latin typeface="Courier"/>
-                <a:cs typeface="Courier"/>
-              </a:rPr>
-              <a:t> </a:t>
-            </a:r>
-            <a:r>
-              <a:rPr lang="en-US" sz="1600" b="0" dirty="0" smtClean="0">
-                <a:latin typeface="Courier"/>
-                <a:cs typeface="Courier"/>
-              </a:rPr>
-              <a:t>   - sidereal period: +units(“year”) double</a:t>
-            </a:r>
-          </a:p>
-          <a:p>
-            <a:pPr marL="0" indent="0">
-              <a:buNone/>
-            </a:pPr>
-            <a:r>
-              <a:rPr lang="en-US" sz="1600" b="0" dirty="0" smtClean="0">
-                <a:latin typeface="Courier"/>
-                <a:cs typeface="Courier"/>
-              </a:rPr>
-              <a:t>  data: “../data/</a:t>
-            </a:r>
-            <a:r>
-              <a:rPr lang="en-US" sz="1600" b="0" dirty="0" err="1" smtClean="0">
-                <a:latin typeface="Courier"/>
-                <a:cs typeface="Courier"/>
-              </a:rPr>
-              <a:t>planets.csv</a:t>
-            </a:r>
-            <a:r>
-              <a:rPr lang="en-US" sz="1600" b="0" dirty="0" smtClean="0">
-                <a:latin typeface="Courier"/>
-                <a:cs typeface="Courier"/>
-              </a:rPr>
-              <a:t>”</a:t>
-            </a:r>
+              <a:rPr lang="en-US" dirty="0" smtClean="0"/>
+              <a:t>Instructions to compiler, either in housekeeping phase or generating phase</a:t>
+            </a:r>
+            <a:endParaRPr lang="en-US" dirty="0"/>
+          </a:p>
+        </p:txBody>
+      </p:sp>
+      <p:sp>
+        <p:nvSpPr>
+          <p:cNvPr id="4" name="Slide Number Placeholder 3"/>
+          <p:cNvSpPr>
+            <a:spLocks noGrp="1"/>
+          </p:cNvSpPr>
+          <p:nvPr>
+            <p:ph type="sldNum" sz="quarter" idx="12"/>
+          </p:nvPr>
+        </p:nvSpPr>
+        <p:spPr/>
+        <p:txBody>
+          <a:bodyPr/>
+          <a:lstStyle/>
+          <a:p>
+            <a:fld id="{0FB56013-B943-42BA-886F-6F9D4EB85E9D}" type="slidenum">
+              <a:rPr lang="en-US" smtClean="0"/>
+              <a:t>33</a:t>
+            </a:fld>
+            <a:endParaRPr lang="en-US"/>
           </a:p>
         </p:txBody>
       </p:sp>
     </p:spTree>
     <p:extLst>
       <p:ext uri="{BB962C8B-B14F-4D97-AF65-F5344CB8AC3E}">
-        <p14:creationId xmlns:p14="http://schemas.microsoft.com/office/powerpoint/2010/main" val="4011351358"/>
+        <p14:creationId xmlns:p14="http://schemas.microsoft.com/office/powerpoint/2010/main" val="1814564669"/>
       </p:ext>
     </p:extLst>
   </p:cSld>
@@ -10267,7 +9739,7 @@
           <a:p>
             <a:r>
               <a:rPr lang="en-US" dirty="0" smtClean="0"/>
-              <a:t>Translations</a:t>
+              <a:t>Step routines</a:t>
             </a:r>
             <a:endParaRPr lang="en-US" dirty="0"/>
           </a:p>
@@ -10290,25 +9762,41 @@
           <a:p>
             <a:r>
               <a:rPr lang="en-US" dirty="0" smtClean="0"/>
-              <a:t>C++11</a:t>
+              <a:t>Begin with capital letter</a:t>
             </a:r>
           </a:p>
           <a:p>
             <a:r>
               <a:rPr lang="en-US" dirty="0" smtClean="0"/>
-              <a:t>Java</a:t>
+              <a:t>Stubbed if end with .</a:t>
             </a:r>
           </a:p>
           <a:p>
             <a:r>
               <a:rPr lang="en-US" dirty="0" smtClean="0"/>
-              <a:t>Python</a:t>
+              <a:t>Moved out during “housekeeping” phase.</a:t>
             </a:r>
           </a:p>
           <a:p>
             <a:r>
               <a:rPr lang="en-US" dirty="0" smtClean="0"/>
-              <a:t>C with classes</a:t>
+              <a:t>No </a:t>
+            </a:r>
+            <a:r>
+              <a:rPr lang="en-US" dirty="0" err="1" smtClean="0"/>
+              <a:t>params</a:t>
+            </a:r>
+            <a:r>
+              <a:rPr lang="en-US" dirty="0" smtClean="0"/>
+              <a:t>; automatically use all </a:t>
+            </a:r>
+            <a:r>
+              <a:rPr lang="en-US" dirty="0" err="1" smtClean="0"/>
+              <a:t>params</a:t>
+            </a:r>
+            <a:r>
+              <a:rPr lang="en-US" dirty="0" smtClean="0"/>
+              <a:t> from parent, with same name.</a:t>
             </a:r>
             <a:endParaRPr lang="en-US" dirty="0"/>
           </a:p>
@@ -10340,7 +9828,7 @@
     </p:spTree>
     <p:extLst>
       <p:ext uri="{BB962C8B-B14F-4D97-AF65-F5344CB8AC3E}">
-        <p14:creationId xmlns:p14="http://schemas.microsoft.com/office/powerpoint/2010/main" val="2875067508"/>
+        <p14:creationId xmlns:p14="http://schemas.microsoft.com/office/powerpoint/2010/main" val="1793779460"/>
       </p:ext>
     </p:extLst>
   </p:cSld>
@@ -10384,7 +9872,7 @@
           <a:p>
             <a:r>
               <a:rPr lang="en-US" dirty="0" smtClean="0"/>
-              <a:t>Interfaces</a:t>
+              <a:t>Tables</a:t>
             </a:r>
             <a:endParaRPr lang="en-US" dirty="0"/>
           </a:p>
@@ -10402,67 +9890,214 @@
         </p:nvSpPr>
         <p:spPr/>
         <p:txBody>
-          <a:bodyPr>
-            <a:normAutofit/>
-          </a:bodyPr>
-          <a:lstStyle/>
-          <a:p>
-            <a:r>
-              <a:rPr lang="en-US" sz="2400" b="0" dirty="0" smtClean="0"/>
-              <a:t>“Header files” let you describe an interface without showing implementation.</a:t>
-            </a:r>
-          </a:p>
-          <a:p>
-            <a:r>
-              <a:rPr lang="en-US" sz="2400" b="0" dirty="0" smtClean="0"/>
-              <a:t>Rich enough to code or compile clients against.</a:t>
-            </a:r>
-          </a:p>
-          <a:p>
-            <a:r>
-              <a:rPr lang="en-US" sz="2400" b="0" dirty="0" smtClean="0"/>
-              <a:t>Generated or updated by compiler from </a:t>
-            </a:r>
-            <a:r>
-              <a:rPr lang="en-US" sz="2400" b="0" dirty="0" err="1" smtClean="0"/>
-              <a:t>impl</a:t>
-            </a:r>
-            <a:r>
-              <a:rPr lang="en-US" sz="2400" b="0" dirty="0" smtClean="0"/>
-              <a:t>, so you don’t have to maintain them by hand.</a:t>
-            </a:r>
-          </a:p>
-          <a:p>
-            <a:r>
-              <a:rPr lang="en-US" sz="2400" b="0" dirty="0" smtClean="0"/>
-              <a:t>Semantics in header are automatically versioned to detect breaking changes</a:t>
-            </a:r>
-            <a:r>
-              <a:rPr lang="en-US" sz="2400" b="0" dirty="0" smtClean="0"/>
-              <a:t>.</a:t>
-            </a:r>
-          </a:p>
-          <a:p>
-            <a:r>
-              <a:rPr lang="en-US" sz="2400" dirty="0" smtClean="0"/>
-              <a:t>Interfaces used with a claim about </a:t>
-            </a:r>
-            <a:r>
-              <a:rPr lang="en-US" sz="2400" dirty="0" err="1" smtClean="0"/>
-              <a:t>verison</a:t>
-            </a:r>
-            <a:r>
-              <a:rPr lang="en-US" sz="2400" dirty="0" smtClean="0"/>
-              <a:t>.</a:t>
-            </a:r>
-            <a:endParaRPr lang="en-US" sz="2400" b="0" dirty="0"/>
+          <a:bodyPr/>
+          <a:lstStyle/>
+          <a:p>
+            <a:r>
+              <a:rPr lang="en-US" sz="2000" b="0" dirty="0" err="1" smtClean="0"/>
+              <a:t>Enums</a:t>
+            </a:r>
+            <a:r>
+              <a:rPr lang="en-US" sz="2000" b="0" dirty="0" smtClean="0"/>
+              <a:t> on steroids – associate any number of fields, not just name and number. Methods, as in java.</a:t>
+            </a:r>
+          </a:p>
+          <a:p>
+            <a:r>
+              <a:rPr lang="en-US" sz="2000" b="0" dirty="0" smtClean="0"/>
+              <a:t>Define semantics for each column with full intent power.</a:t>
+            </a:r>
+          </a:p>
+          <a:p>
+            <a:r>
+              <a:rPr lang="en-US" sz="2000" b="0" dirty="0" smtClean="0"/>
+              <a:t>Declarable with </a:t>
+            </a:r>
+            <a:r>
+              <a:rPr lang="en-US" sz="2000" b="0" dirty="0" err="1" smtClean="0"/>
+              <a:t>json</a:t>
+            </a:r>
+            <a:r>
+              <a:rPr lang="en-US" sz="2000" b="0" dirty="0" smtClean="0"/>
+              <a:t>, </a:t>
+            </a:r>
+            <a:r>
+              <a:rPr lang="en-US" sz="2000" b="0" dirty="0" err="1" smtClean="0"/>
+              <a:t>csv</a:t>
+            </a:r>
+            <a:r>
+              <a:rPr lang="en-US" sz="2000" b="0" dirty="0" smtClean="0"/>
+              <a:t>, or </a:t>
+            </a:r>
+            <a:r>
+              <a:rPr lang="en-US" sz="2000" b="0" dirty="0" err="1" smtClean="0"/>
+              <a:t>tsv</a:t>
+            </a:r>
+            <a:r>
+              <a:rPr lang="en-US" sz="2000" b="0" dirty="0" smtClean="0"/>
+              <a:t> attachment.</a:t>
+            </a:r>
+          </a:p>
+          <a:p>
+            <a:r>
+              <a:rPr lang="en-US" sz="2000" b="0" dirty="0" smtClean="0"/>
+              <a:t>May contain </a:t>
+            </a:r>
+            <a:r>
+              <a:rPr lang="en-US" sz="2000" b="0" dirty="0" err="1" smtClean="0"/>
+              <a:t>metacode</a:t>
+            </a:r>
+            <a:r>
+              <a:rPr lang="en-US" sz="2000" b="0" dirty="0"/>
+              <a:t> </a:t>
+            </a:r>
+            <a:r>
+              <a:rPr lang="en-US" sz="2000" b="0" dirty="0" smtClean="0"/>
+              <a:t>(formulas)</a:t>
+            </a:r>
+          </a:p>
+          <a:p>
+            <a:endParaRPr lang="en-US" sz="2000" b="0" dirty="0"/>
+          </a:p>
+          <a:p>
+            <a:pPr marL="0" indent="0">
+              <a:buNone/>
+            </a:pPr>
+            <a:r>
+              <a:rPr lang="en-US" sz="1600" b="0" dirty="0">
+                <a:latin typeface="Courier"/>
+                <a:cs typeface="Courier"/>
+              </a:rPr>
+              <a:t>p</a:t>
+            </a:r>
+            <a:r>
+              <a:rPr lang="en-US" sz="1600" b="0" dirty="0" smtClean="0">
+                <a:latin typeface="Courier"/>
+                <a:cs typeface="Courier"/>
+              </a:rPr>
+              <a:t>lanets: table</a:t>
+            </a:r>
+          </a:p>
+          <a:p>
+            <a:pPr marL="0" indent="0">
+              <a:buNone/>
+            </a:pPr>
+            <a:r>
+              <a:rPr lang="en-US" sz="1600" b="0" dirty="0" smtClean="0">
+                <a:latin typeface="Courier"/>
+                <a:cs typeface="Courier"/>
+              </a:rPr>
+              <a:t>  fields:</a:t>
+            </a:r>
+          </a:p>
+          <a:p>
+            <a:pPr marL="0" indent="0">
+              <a:buNone/>
+            </a:pPr>
+            <a:r>
+              <a:rPr lang="en-US" sz="1600" b="0" dirty="0">
+                <a:latin typeface="Courier"/>
+                <a:cs typeface="Courier"/>
+              </a:rPr>
+              <a:t> </a:t>
+            </a:r>
+            <a:r>
+              <a:rPr lang="en-US" sz="1600" b="0" dirty="0" smtClean="0">
+                <a:latin typeface="Courier"/>
+                <a:cs typeface="Courier"/>
+              </a:rPr>
+              <a:t>   - name: symbolic id</a:t>
+            </a:r>
+          </a:p>
+          <a:p>
+            <a:pPr marL="0" indent="0">
+              <a:buNone/>
+            </a:pPr>
+            <a:r>
+              <a:rPr lang="en-US" sz="1600" b="0" dirty="0">
+                <a:latin typeface="Courier"/>
+                <a:cs typeface="Courier"/>
+              </a:rPr>
+              <a:t> </a:t>
+            </a:r>
+            <a:r>
+              <a:rPr lang="en-US" sz="1600" b="0" dirty="0" smtClean="0">
+                <a:latin typeface="Courier"/>
+                <a:cs typeface="Courier"/>
+              </a:rPr>
+              <a:t>   - value: +range(1,8)</a:t>
+            </a:r>
+          </a:p>
+          <a:p>
+            <a:pPr marL="0" indent="0">
+              <a:buNone/>
+            </a:pPr>
+            <a:r>
+              <a:rPr lang="en-US" sz="1600" b="0" dirty="0">
+                <a:latin typeface="Courier"/>
+                <a:cs typeface="Courier"/>
+              </a:rPr>
+              <a:t> </a:t>
+            </a:r>
+            <a:r>
+              <a:rPr lang="en-US" sz="1600" b="0" dirty="0" smtClean="0">
+                <a:latin typeface="Courier"/>
+                <a:cs typeface="Courier"/>
+              </a:rPr>
+              <a:t>   - mass: +units(“kg”) double</a:t>
+            </a:r>
+          </a:p>
+          <a:p>
+            <a:pPr marL="0" indent="0">
+              <a:buNone/>
+            </a:pPr>
+            <a:r>
+              <a:rPr lang="en-US" sz="1600" b="0" dirty="0">
+                <a:latin typeface="Courier"/>
+                <a:cs typeface="Courier"/>
+              </a:rPr>
+              <a:t> </a:t>
+            </a:r>
+            <a:r>
+              <a:rPr lang="en-US" sz="1600" b="0" dirty="0" smtClean="0">
+                <a:latin typeface="Courier"/>
+                <a:cs typeface="Courier"/>
+              </a:rPr>
+              <a:t>   - sidereal period: +units(“year”) double</a:t>
+            </a:r>
+          </a:p>
+          <a:p>
+            <a:pPr marL="0" indent="0">
+              <a:buNone/>
+            </a:pPr>
+            <a:r>
+              <a:rPr lang="en-US" sz="1600" b="0" dirty="0" smtClean="0">
+                <a:latin typeface="Courier"/>
+                <a:cs typeface="Courier"/>
+              </a:rPr>
+              <a:t>  data: “../data/</a:t>
+            </a:r>
+            <a:r>
+              <a:rPr lang="en-US" sz="1600" b="0" dirty="0" err="1" smtClean="0">
+                <a:latin typeface="Courier"/>
+                <a:cs typeface="Courier"/>
+              </a:rPr>
+              <a:t>planets.csv</a:t>
+            </a:r>
+            <a:r>
+              <a:rPr lang="en-US" sz="1600" b="0" dirty="0" smtClean="0">
+                <a:latin typeface="Courier"/>
+                <a:cs typeface="Courier"/>
+              </a:rPr>
+              <a:t>”</a:t>
+            </a:r>
           </a:p>
         </p:txBody>
       </p:sp>
     </p:spTree>
     <p:extLst>
       <p:ext uri="{BB962C8B-B14F-4D97-AF65-F5344CB8AC3E}">
-        <p14:creationId xmlns:p14="http://schemas.microsoft.com/office/powerpoint/2010/main" val="2106043799"/>
+        <p14:creationId xmlns:p14="http://schemas.microsoft.com/office/powerpoint/2010/main" val="4011351358"/>
       </p:ext>
     </p:extLst>
   </p:cSld>
@@ -10506,6 +10141,241 @@
           <a:p>
             <a:r>
               <a:rPr lang="en-US" dirty="0" smtClean="0"/>
+              <a:t>Translations</a:t>
+            </a:r>
+            <a:endParaRPr lang="en-US" dirty="0"/>
+          </a:p>
+        </p:txBody>
+      </p:sp>
+      <p:sp>
+        <p:nvSpPr>
+          <p:cNvPr id="3" name="Content Placeholder 2"/>
+          <p:cNvSpPr>
+            <a:spLocks noGrp="1"/>
+          </p:cNvSpPr>
+          <p:nvPr>
+            <p:ph idx="1"/>
+          </p:nvPr>
+        </p:nvSpPr>
+        <p:spPr/>
+        <p:txBody>
+          <a:bodyPr/>
+          <a:lstStyle/>
+          <a:p>
+            <a:r>
+              <a:rPr lang="en-US" dirty="0" smtClean="0"/>
+              <a:t>C++11</a:t>
+            </a:r>
+          </a:p>
+          <a:p>
+            <a:r>
+              <a:rPr lang="en-US" dirty="0" smtClean="0"/>
+              <a:t>Java</a:t>
+            </a:r>
+          </a:p>
+          <a:p>
+            <a:r>
+              <a:rPr lang="en-US" dirty="0" smtClean="0"/>
+              <a:t>Python</a:t>
+            </a:r>
+          </a:p>
+          <a:p>
+            <a:r>
+              <a:rPr lang="en-US" dirty="0" smtClean="0"/>
+              <a:t>C with classes</a:t>
+            </a:r>
+            <a:endParaRPr lang="en-US" dirty="0"/>
+          </a:p>
+        </p:txBody>
+      </p:sp>
+      <p:sp>
+        <p:nvSpPr>
+          <p:cNvPr id="4" name="Slide Number Placeholder 3"/>
+          <p:cNvSpPr>
+            <a:spLocks noGrp="1"/>
+          </p:cNvSpPr>
+          <p:nvPr>
+            <p:ph type="sldNum" sz="quarter" idx="12"/>
+          </p:nvPr>
+        </p:nvSpPr>
+        <p:spPr/>
+        <p:txBody>
+          <a:bodyPr/>
+          <a:lstStyle/>
+          <a:p>
+            <a:fld id="{0FB56013-B943-42BA-886F-6F9D4EB85E9D}" type="slidenum">
+              <a:rPr lang="en-US" smtClean="0"/>
+              <a:t>36</a:t>
+            </a:fld>
+            <a:endParaRPr lang="en-US"/>
+          </a:p>
+        </p:txBody>
+      </p:sp>
+    </p:spTree>
+    <p:extLst>
+      <p:ext uri="{BB962C8B-B14F-4D97-AF65-F5344CB8AC3E}">
+        <p14:creationId xmlns:p14="http://schemas.microsoft.com/office/powerpoint/2010/main" val="2875067508"/>
+      </p:ext>
+    </p:extLst>
+  </p:cSld>
+  <p:clrMapOvr>
+    <a:masterClrMapping/>
+  </p:clrMapOvr>
+</p:sld>
+</file>
+
+<file path=ppt/slides/slide37.xml><?xml version="1.0" encoding="utf-8"?>
+<p:sld xmlns:a="http://schemas.openxmlformats.org/drawingml/2006/main" xmlns:r="http://schemas.openxmlformats.org/officeDocument/2006/relationships" xmlns:p="http://schemas.openxmlformats.org/presentationml/2006/main">
+  <p:cSld>
+    <p:spTree>
+      <p:nvGrpSpPr>
+        <p:cNvPr id="1" name=""/>
+        <p:cNvGrpSpPr/>
+        <p:nvPr/>
+      </p:nvGrpSpPr>
+      <p:grpSpPr>
+        <a:xfrm>
+          <a:off x="0" y="0"/>
+          <a:ext cx="0" cy="0"/>
+          <a:chOff x="0" y="0"/>
+          <a:chExt cx="0" cy="0"/>
+        </a:xfrm>
+      </p:grpSpPr>
+      <p:sp>
+        <p:nvSpPr>
+          <p:cNvPr id="2" name="Title 1"/>
+          <p:cNvSpPr>
+            <a:spLocks noGrp="1"/>
+          </p:cNvSpPr>
+          <p:nvPr>
+            <p:ph type="title"/>
+          </p:nvPr>
+        </p:nvSpPr>
+        <p:spPr/>
+        <p:txBody>
+          <a:bodyPr/>
+          <a:lstStyle/>
+          <a:p>
+            <a:r>
+              <a:rPr lang="en-US" dirty="0" smtClean="0"/>
+              <a:t>Interfaces</a:t>
+            </a:r>
+            <a:endParaRPr lang="en-US" dirty="0"/>
+          </a:p>
+        </p:txBody>
+      </p:sp>
+      <p:sp>
+        <p:nvSpPr>
+          <p:cNvPr id="3" name="Content Placeholder 2"/>
+          <p:cNvSpPr>
+            <a:spLocks noGrp="1"/>
+          </p:cNvSpPr>
+          <p:nvPr>
+            <p:ph idx="1"/>
+          </p:nvPr>
+        </p:nvSpPr>
+        <p:spPr/>
+        <p:txBody>
+          <a:bodyPr>
+            <a:normAutofit/>
+          </a:bodyPr>
+          <a:lstStyle/>
+          <a:p>
+            <a:r>
+              <a:rPr lang="en-US" sz="2400" b="0" dirty="0" smtClean="0"/>
+              <a:t>“Header files” let you describe an interface without showing implementation.</a:t>
+            </a:r>
+          </a:p>
+          <a:p>
+            <a:r>
+              <a:rPr lang="en-US" sz="2400" b="0" dirty="0" smtClean="0"/>
+              <a:t>Rich enough to code or compile clients against.</a:t>
+            </a:r>
+          </a:p>
+          <a:p>
+            <a:r>
+              <a:rPr lang="en-US" sz="2400" b="0" dirty="0" smtClean="0"/>
+              <a:t>Generated or updated by compiler from </a:t>
+            </a:r>
+            <a:r>
+              <a:rPr lang="en-US" sz="2400" b="0" dirty="0" err="1" smtClean="0"/>
+              <a:t>impl</a:t>
+            </a:r>
+            <a:r>
+              <a:rPr lang="en-US" sz="2400" b="0" dirty="0" smtClean="0"/>
+              <a:t>, so you don’t have to maintain them by hand.</a:t>
+            </a:r>
+          </a:p>
+          <a:p>
+            <a:r>
+              <a:rPr lang="en-US" sz="2400" b="0" dirty="0" smtClean="0"/>
+              <a:t>Semantics in header are automatically versioned to detect breaking changes.</a:t>
+            </a:r>
+          </a:p>
+          <a:p>
+            <a:r>
+              <a:rPr lang="en-US" sz="2400" dirty="0" smtClean="0"/>
+              <a:t>Interfaces used with a claim about </a:t>
+            </a:r>
+            <a:r>
+              <a:rPr lang="en-US" sz="2400" dirty="0" err="1" smtClean="0"/>
+              <a:t>verison</a:t>
+            </a:r>
+            <a:r>
+              <a:rPr lang="en-US" sz="2400" dirty="0" smtClean="0"/>
+              <a:t>.</a:t>
+            </a:r>
+            <a:endParaRPr lang="en-US" sz="2400" b="0" dirty="0"/>
+          </a:p>
+        </p:txBody>
+      </p:sp>
+    </p:spTree>
+    <p:extLst>
+      <p:ext uri="{BB962C8B-B14F-4D97-AF65-F5344CB8AC3E}">
+        <p14:creationId xmlns:p14="http://schemas.microsoft.com/office/powerpoint/2010/main" val="2106043799"/>
+      </p:ext>
+    </p:extLst>
+  </p:cSld>
+  <p:clrMapOvr>
+    <a:masterClrMapping/>
+  </p:clrMapOvr>
+</p:sld>
+</file>
+
+<file path=ppt/slides/slide38.xml><?xml version="1.0" encoding="utf-8"?>
+<p:sld xmlns:a="http://schemas.openxmlformats.org/drawingml/2006/main" xmlns:r="http://schemas.openxmlformats.org/officeDocument/2006/relationships" xmlns:p="http://schemas.openxmlformats.org/presentationml/2006/main">
+  <p:cSld>
+    <p:spTree>
+      <p:nvGrpSpPr>
+        <p:cNvPr id="1" name=""/>
+        <p:cNvGrpSpPr/>
+        <p:nvPr/>
+      </p:nvGrpSpPr>
+      <p:grpSpPr>
+        <a:xfrm>
+          <a:off x="0" y="0"/>
+          <a:ext cx="0" cy="0"/>
+          <a:chOff x="0" y="0"/>
+          <a:chExt cx="0" cy="0"/>
+        </a:xfrm>
+      </p:grpSpPr>
+      <p:sp>
+        <p:nvSpPr>
+          <p:cNvPr id="2" name="Title 1"/>
+          <p:cNvSpPr>
+            <a:spLocks noGrp="1"/>
+          </p:cNvSpPr>
+          <p:nvPr>
+            <p:ph type="title"/>
+          </p:nvPr>
+        </p:nvSpPr>
+        <p:spPr/>
+        <p:txBody>
+          <a:bodyPr/>
+          <a:lstStyle/>
+          <a:p>
+            <a:r>
+              <a:rPr lang="en-US" dirty="0" smtClean="0"/>
               <a:t>Hints</a:t>
             </a:r>
             <a:endParaRPr lang="en-US" dirty="0"/>
@@ -10577,7 +10447,7 @@
 </p:sld>
 </file>
 
-<file path=ppt/slides/slide37.xml><?xml version="1.0" encoding="utf-8"?>
+<file path=ppt/slides/slide39.xml><?xml version="1.0" encoding="utf-8"?>
 <p:sld xmlns:a="http://schemas.openxmlformats.org/drawingml/2006/main" xmlns:r="http://schemas.openxmlformats.org/officeDocument/2006/relationships" xmlns:p="http://schemas.openxmlformats.org/presentationml/2006/main">
   <p:cSld>
     <p:spTree>
@@ -10730,15 +10600,7 @@
           <a:p>
             <a:r>
               <a:rPr lang="en-US" dirty="0" smtClean="0"/>
-              <a:t>When </a:t>
-            </a:r>
-            <a:r>
-              <a:rPr lang="en-US" dirty="0" smtClean="0"/>
-              <a:t>“why</a:t>
-            </a:r>
-            <a:r>
-              <a:rPr lang="en-US" dirty="0" smtClean="0"/>
-              <a:t>” is missing</a:t>
+              <a:t>When “why” is missing</a:t>
             </a:r>
             <a:endParaRPr lang="en-US" dirty="0"/>
           </a:p>
@@ -10783,11 +10645,7 @@
           <a:p>
             <a:r>
               <a:rPr lang="en-US" sz="2400" b="0" dirty="0" smtClean="0"/>
-              <a:t>Been surprised by new </a:t>
-            </a:r>
-            <a:r>
-              <a:rPr lang="en-US" sz="2400" b="0" dirty="0" smtClean="0"/>
-              <a:t>requirements?</a:t>
+              <a:t>Been surprised by new requirements?</a:t>
             </a:r>
           </a:p>
           <a:p>
@@ -10795,22 +10653,12 @@
               <a:rPr lang="en-US" sz="2400" b="0" dirty="0" smtClean="0"/>
               <a:t>Begged for design docs to clarify inherited code?</a:t>
             </a:r>
-            <a:endParaRPr lang="en-US" sz="2400" b="0" dirty="0" smtClean="0"/>
           </a:p>
           <a:p>
             <a:r>
               <a:rPr lang="en-US" sz="2400" b="0" dirty="0" smtClean="0"/>
-              <a:t>Written comments but feared someone </a:t>
-            </a:r>
-            <a:r>
-              <a:rPr lang="en-US" sz="2400" b="0" dirty="0" smtClean="0"/>
-              <a:t>would miss a </a:t>
-            </a:r>
-            <a:r>
-              <a:rPr lang="en-US" sz="2400" b="0" dirty="0" smtClean="0"/>
-              <a:t>subtlety?</a:t>
-            </a:r>
-            <a:endParaRPr lang="en-US" sz="2400" b="0" dirty="0" smtClean="0"/>
+              <a:t>Written comments but feared someone would miss a subtlety?</a:t>
+            </a:r>
           </a:p>
           <a:p>
             <a:r>
@@ -10823,50 +10671,25 @@
             </a:r>
             <a:r>
               <a:rPr lang="en-US" sz="2400" b="0" dirty="0" smtClean="0"/>
-              <a:t> a </a:t>
-            </a:r>
+              <a:t> a messy state machine or tangle of threads?</a:t>
+            </a:r>
+          </a:p>
+          <a:p>
             <a:r>
               <a:rPr lang="en-US" sz="2400" b="0" dirty="0" smtClean="0"/>
-              <a:t>messy state machine or tangle of threads?</a:t>
+              <a:t>Sanitized input to a function, unable to trust preconditions?</a:t>
             </a:r>
           </a:p>
           <a:p>
             <a:r>
               <a:rPr lang="en-US" sz="2400" b="0" dirty="0" smtClean="0"/>
-              <a:t>Sanitized </a:t>
-            </a:r>
+              <a:t>Wondered if coders cared at all about the user experience?</a:t>
+            </a:r>
+          </a:p>
+          <a:p>
             <a:r>
               <a:rPr lang="en-US" sz="2400" b="0" dirty="0" smtClean="0"/>
-              <a:t>input to a </a:t>
-            </a:r>
-            <a:r>
-              <a:rPr lang="en-US" sz="2400" b="0" dirty="0" smtClean="0"/>
-              <a:t>function, unable to trust preconditions?</a:t>
-            </a:r>
-            <a:endParaRPr lang="en-US" sz="2400" b="0" dirty="0" smtClean="0"/>
-          </a:p>
-          <a:p>
-            <a:r>
-              <a:rPr lang="en-US" sz="2400" b="0" dirty="0" smtClean="0"/>
-              <a:t>Wondered if </a:t>
-            </a:r>
-            <a:r>
-              <a:rPr lang="en-US" sz="2400" b="0" dirty="0" smtClean="0"/>
-              <a:t>coders </a:t>
-            </a:r>
-            <a:r>
-              <a:rPr lang="en-US" sz="2400" b="0" dirty="0" smtClean="0"/>
-              <a:t>cared at all about the user experience?</a:t>
-            </a:r>
-          </a:p>
-          <a:p>
-            <a:r>
-              <a:rPr lang="en-US" sz="2400" b="0" dirty="0" smtClean="0"/>
-              <a:t>Felt a communication gap between execs/sales/PM</a:t>
-            </a:r>
-            <a:r>
-              <a:rPr lang="en-US" sz="2400" b="0" dirty="0" smtClean="0"/>
-              <a:t>/</a:t>
+              <a:t>Felt a communication gap between execs/sales/PM/</a:t>
             </a:r>
             <a:r>
               <a:rPr lang="en-US" sz="2400" b="0" dirty="0" err="1" smtClean="0"/>
@@ -10874,11 +10697,7 @@
             </a:r>
             <a:r>
               <a:rPr lang="en-US" sz="2400" b="0" dirty="0" smtClean="0"/>
-              <a:t>/</a:t>
-            </a:r>
-            <a:r>
-              <a:rPr lang="en-US" sz="2400" b="0" dirty="0" smtClean="0"/>
-              <a:t>PS?</a:t>
+              <a:t>/PS?</a:t>
             </a:r>
           </a:p>
           <a:p>
@@ -10995,17 +10814,12 @@
               <a:rPr lang="en-US" dirty="0" smtClean="0"/>
               <a:t>anguage</a:t>
             </a:r>
-            <a:endParaRPr lang="en-US" dirty="0" smtClean="0"/>
           </a:p>
           <a:p>
             <a:pPr lvl="1"/>
             <a:r>
               <a:rPr lang="en-US" dirty="0" smtClean="0"/>
-              <a:t>Compiler </a:t>
-            </a:r>
-            <a:r>
-              <a:rPr lang="en-US" dirty="0" smtClean="0"/>
-              <a:t>family</a:t>
+              <a:t>Compiler family</a:t>
             </a:r>
           </a:p>
           <a:p>
@@ -11014,7 +10828,6 @@
               <a:rPr lang="en-US" dirty="0" smtClean="0"/>
               <a:t>Methodology</a:t>
             </a:r>
-            <a:endParaRPr lang="en-US" dirty="0" smtClean="0"/>
           </a:p>
           <a:p>
             <a:pPr lvl="1"/>
@@ -11042,7 +10855,6 @@
               <a:rPr lang="en-US" dirty="0" smtClean="0"/>
               <a:t>…which focuses on people and their why’s.</a:t>
             </a:r>
-            <a:endParaRPr lang="en-US" dirty="0" smtClean="0"/>
           </a:p>
         </p:txBody>
       </p:sp>
@@ -11100,11 +10912,7 @@
           <a:p>
             <a:r>
               <a:rPr lang="en-US" dirty="0" smtClean="0"/>
-              <a:t>Intent’s </a:t>
-            </a:r>
-            <a:r>
-              <a:rPr lang="en-US" dirty="0" smtClean="0"/>
-              <a:t>own “Why?”</a:t>
+              <a:t>Intent’s own “Why?”</a:t>
             </a:r>
             <a:endParaRPr lang="en-US" dirty="0"/>
           </a:p>
@@ -11140,19 +10948,7 @@
             </a:pPr>
             <a:r>
               <a:rPr lang="en-US" dirty="0" smtClean="0"/>
-              <a:t>Intent </a:t>
-            </a:r>
-            <a:r>
-              <a:rPr lang="en-US" dirty="0" smtClean="0"/>
-              <a:t>is the artisan’s choice when stakes are high. It empowers fearless </a:t>
-            </a:r>
-            <a:r>
-              <a:rPr lang="en-US" dirty="0" smtClean="0"/>
-              <a:t>and disciplined </a:t>
-            </a:r>
-            <a:r>
-              <a:rPr lang="en-US" dirty="0" smtClean="0"/>
-              <a:t>creativity to tame the most demanding compute problems, thus making tomorrow’s world better for everyone.</a:t>
+              <a:t>Intent is the artisan’s choice when stakes are high. It empowers fearless and disciplined creativity to tame the most demanding compute problems, thus making tomorrow’s world better for everyone.</a:t>
             </a:r>
             <a:endParaRPr lang="en-US" dirty="0"/>
           </a:p>
@@ -13731,22 +13527,13 @@
           <a:p>
             <a:r>
               <a:rPr lang="en-US" dirty="0" smtClean="0"/>
-              <a:t>High </a:t>
-            </a:r>
+              <a:t>High quality bar</a:t>
+            </a:r>
+          </a:p>
+          <a:p>
             <a:r>
               <a:rPr lang="en-US" dirty="0" smtClean="0"/>
-              <a:t>quality bar</a:t>
-            </a:r>
-            <a:endParaRPr lang="en-US" dirty="0" smtClean="0"/>
-          </a:p>
-          <a:p>
-            <a:r>
-              <a:rPr lang="en-US" dirty="0" smtClean="0"/>
-              <a:t>Long </a:t>
-            </a:r>
-            <a:r>
-              <a:rPr lang="en-US" dirty="0" smtClean="0"/>
-              <a:t>code lifetime</a:t>
+              <a:t>Long code lifetime</a:t>
             </a:r>
             <a:endParaRPr lang="en-US" dirty="0"/>
           </a:p>

--- a/assets/introducing-intent.pptx
+++ b/assets/introducing-intent.pptx
@@ -380,7 +380,7 @@
           <a:p>
             <a:fld id="{6BFECD78-3C8E-49F2-8FAB-59489D168ABB}" type="datetimeFigureOut">
               <a:rPr lang="en-US" smtClean="0"/>
-              <a:t>2/9/14</a:t>
+              <a:t>2/14/14</a:t>
             </a:fld>
             <a:endParaRPr lang="en-US"/>
           </a:p>
@@ -635,7 +635,7 @@
           <a:p>
             <a:fld id="{6BFECD78-3C8E-49F2-8FAB-59489D168ABB}" type="datetimeFigureOut">
               <a:rPr lang="en-US" smtClean="0"/>
-              <a:t>2/9/14</a:t>
+              <a:t>2/14/14</a:t>
             </a:fld>
             <a:endParaRPr lang="en-US"/>
           </a:p>
@@ -846,7 +846,7 @@
           <a:p>
             <a:fld id="{6BFECD78-3C8E-49F2-8FAB-59489D168ABB}" type="datetimeFigureOut">
               <a:rPr lang="en-US" smtClean="0"/>
-              <a:t>2/9/14</a:t>
+              <a:t>2/14/14</a:t>
             </a:fld>
             <a:endParaRPr lang="en-US"/>
           </a:p>
@@ -1473,7 +1473,7 @@
           <a:p>
             <a:fld id="{6BFECD78-3C8E-49F2-8FAB-59489D168ABB}" type="datetimeFigureOut">
               <a:rPr lang="en-US" smtClean="0"/>
-              <a:t>2/9/14</a:t>
+              <a:t>2/14/14</a:t>
             </a:fld>
             <a:endParaRPr lang="en-US"/>
           </a:p>
@@ -1774,7 +1774,7 @@
           <a:p>
             <a:fld id="{6BFECD78-3C8E-49F2-8FAB-59489D168ABB}" type="datetimeFigureOut">
               <a:rPr lang="en-US" smtClean="0"/>
-              <a:t>2/9/14</a:t>
+              <a:t>2/14/14</a:t>
             </a:fld>
             <a:endParaRPr lang="en-US"/>
           </a:p>
@@ -2177,7 +2177,7 @@
           <a:p>
             <a:fld id="{6BFECD78-3C8E-49F2-8FAB-59489D168ABB}" type="datetimeFigureOut">
               <a:rPr lang="en-US" smtClean="0"/>
-              <a:t>2/9/14</a:t>
+              <a:t>2/14/14</a:t>
             </a:fld>
             <a:endParaRPr lang="en-US"/>
           </a:p>
@@ -2685,7 +2685,7 @@
           <a:p>
             <a:fld id="{6BFECD78-3C8E-49F2-8FAB-59489D168ABB}" type="datetimeFigureOut">
               <a:rPr lang="en-US" smtClean="0"/>
-              <a:t>2/9/14</a:t>
+              <a:t>2/14/14</a:t>
             </a:fld>
             <a:endParaRPr lang="en-US"/>
           </a:p>
@@ -2858,7 +2858,7 @@
           <a:p>
             <a:fld id="{6BFECD78-3C8E-49F2-8FAB-59489D168ABB}" type="datetimeFigureOut">
               <a:rPr lang="en-US" smtClean="0"/>
-              <a:t>2/9/14</a:t>
+              <a:t>2/14/14</a:t>
             </a:fld>
             <a:endParaRPr lang="en-US"/>
           </a:p>
@@ -3038,7 +3038,7 @@
           <a:p>
             <a:fld id="{6BFECD78-3C8E-49F2-8FAB-59489D168ABB}" type="datetimeFigureOut">
               <a:rPr lang="en-US" smtClean="0"/>
-              <a:t>2/9/14</a:t>
+              <a:t>2/14/14</a:t>
             </a:fld>
             <a:endParaRPr lang="en-US"/>
           </a:p>
@@ -3346,7 +3346,7 @@
           <a:p>
             <a:fld id="{6BFECD78-3C8E-49F2-8FAB-59489D168ABB}" type="datetimeFigureOut">
               <a:rPr lang="en-US" smtClean="0"/>
-              <a:t>2/9/14</a:t>
+              <a:t>2/14/14</a:t>
             </a:fld>
             <a:endParaRPr lang="en-US"/>
           </a:p>
@@ -3600,7 +3600,7 @@
           <a:p>
             <a:fld id="{6BFECD78-3C8E-49F2-8FAB-59489D168ABB}" type="datetimeFigureOut">
               <a:rPr lang="en-US" smtClean="0"/>
-              <a:t>2/9/14</a:t>
+              <a:t>2/14/14</a:t>
             </a:fld>
             <a:endParaRPr lang="en-US"/>
           </a:p>
@@ -3898,7 +3898,7 @@
           <a:p>
             <a:fld id="{7BA99288-2384-C64C-992A-406B1D78017E}" type="datetimeFigureOut">
               <a:rPr lang="en-US" smtClean="0"/>
-              <a:t>2/9/14</a:t>
+              <a:t>2/14/14</a:t>
             </a:fld>
             <a:endParaRPr lang="en-US"/>
           </a:p>
@@ -9073,7 +9073,7 @@
               <a:buNone/>
             </a:pPr>
             <a:r>
-              <a:rPr lang="en-US" sz="2400"/>
+              <a:rPr lang="en-US" sz="2400" dirty="0"/>
               <a:t>	</a:t>
             </a:r>
             <a:endParaRPr lang="en-US" sz="2400" dirty="0" smtClean="0"/>
@@ -10853,7 +10853,11 @@
             </a:pPr>
             <a:r>
               <a:rPr lang="en-US" dirty="0" smtClean="0"/>
-              <a:t>…which focuses on people and their why’s.</a:t>
+              <a:t>…that </a:t>
+            </a:r>
+            <a:r>
+              <a:rPr lang="en-US" dirty="0" smtClean="0"/>
+              <a:t>focuses on people and their why’s.</a:t>
             </a:r>
           </a:p>
         </p:txBody>
